--- a/Präsentationen/Exposee.pptx
+++ b/Präsentationen/Exposee.pptx
@@ -2,7 +2,7 @@
 <file path=ppt/presentation.xml><?xml version="1.0" encoding="utf-8"?>
 <p:presentation xmlns:a="http://schemas.openxmlformats.org/drawingml/2006/main" xmlns:r="http://schemas.openxmlformats.org/officeDocument/2006/relationships" xmlns:p="http://schemas.openxmlformats.org/presentationml/2006/main" saveSubsetFonts="1" autoCompressPictures="0">
   <p:sldMasterIdLst>
-    <p:sldMasterId id="2147483750" r:id="rId1"/>
+    <p:sldMasterId id="2147483784" r:id="rId1"/>
   </p:sldMasterIdLst>
   <p:sldIdLst>
     <p:sldId id="256" r:id="rId2"/>
@@ -11,6 +11,7 @@
     <p:sldId id="259" r:id="rId5"/>
     <p:sldId id="261" r:id="rId6"/>
     <p:sldId id="260" r:id="rId7"/>
+    <p:sldId id="262" r:id="rId8"/>
   </p:sldIdLst>
   <p:sldSz cx="12192000" cy="6858000"/>
   <p:notesSz cx="6858000" cy="9144000"/>
@@ -136,7 +137,7 @@
       </p:grpSpPr>
       <p:grpSp>
         <p:nvGrpSpPr>
-          <p:cNvPr id="7" name="Group 6"/>
+          <p:cNvPr id="16" name="Group 15"/>
           <p:cNvGrpSpPr/>
           <p:nvPr/>
         </p:nvGrpSpPr>
@@ -148,9 +149,72 @@
             <a:chExt cx="12192000" cy="6866467"/>
           </a:xfrm>
         </p:grpSpPr>
+        <p:sp>
+          <p:nvSpPr>
+            <p:cNvPr id="15" name="Freeform 14"/>
+            <p:cNvSpPr/>
+            <p:nvPr/>
+          </p:nvSpPr>
+          <p:spPr>
+            <a:xfrm>
+              <a:off x="0" y="-7862"/>
+              <a:ext cx="863600" cy="5698067"/>
+            </a:xfrm>
+            <a:custGeom>
+              <a:avLst/>
+              <a:gdLst/>
+              <a:ahLst/>
+              <a:cxnLst/>
+              <a:rect l="l" t="t" r="r" b="b"/>
+              <a:pathLst>
+                <a:path w="863600" h="5698067">
+                  <a:moveTo>
+                    <a:pt x="0" y="8467"/>
+                  </a:moveTo>
+                  <a:lnTo>
+                    <a:pt x="863600" y="0"/>
+                  </a:lnTo>
+                  <a:lnTo>
+                    <a:pt x="863600" y="16934"/>
+                  </a:lnTo>
+                  <a:lnTo>
+                    <a:pt x="0" y="5698067"/>
+                  </a:lnTo>
+                  <a:lnTo>
+                    <a:pt x="0" y="8467"/>
+                  </a:lnTo>
+                  <a:close/>
+                </a:path>
+              </a:pathLst>
+            </a:custGeom>
+            <a:solidFill>
+              <a:schemeClr val="accent1">
+                <a:alpha val="70000"/>
+              </a:schemeClr>
+            </a:solidFill>
+            <a:ln>
+              <a:noFill/>
+            </a:ln>
+            <a:effectLst/>
+          </p:spPr>
+          <p:style>
+            <a:lnRef idx="1">
+              <a:schemeClr val="accent1"/>
+            </a:lnRef>
+            <a:fillRef idx="3">
+              <a:schemeClr val="accent1"/>
+            </a:fillRef>
+            <a:effectRef idx="2">
+              <a:schemeClr val="accent1"/>
+            </a:effectRef>
+            <a:fontRef idx="minor">
+              <a:schemeClr val="lt1"/>
+            </a:fontRef>
+          </p:style>
+        </p:sp>
         <p:cxnSp>
           <p:nvCxnSpPr>
-            <p:cNvPr id="32" name="Straight Connector 31"/>
+            <p:cNvPr id="19" name="Straight Connector 18"/>
             <p:cNvCxnSpPr/>
             <p:nvPr/>
           </p:nvCxnSpPr>
@@ -164,8 +228,8 @@
             </a:prstGeom>
             <a:ln w="9525">
               <a:solidFill>
-                <a:schemeClr val="bg1">
-                  <a:lumMod val="75000"/>
+                <a:schemeClr val="accent1">
+                  <a:alpha val="70000"/>
                 </a:schemeClr>
               </a:solidFill>
             </a:ln>
@@ -187,7 +251,7 @@
         </p:cxnSp>
         <p:cxnSp>
           <p:nvCxnSpPr>
-            <p:cNvPr id="21" name="Straight Connector 20"/>
+            <p:cNvPr id="20" name="Straight Connector 19"/>
             <p:cNvCxnSpPr/>
             <p:nvPr/>
           </p:nvCxnSpPr>
@@ -201,8 +265,8 @@
             </a:prstGeom>
             <a:ln w="9525">
               <a:solidFill>
-                <a:schemeClr val="bg1">
-                  <a:lumMod val="85000"/>
+                <a:schemeClr val="accent1">
+                  <a:alpha val="70000"/>
                 </a:schemeClr>
               </a:solidFill>
             </a:ln>
@@ -224,7 +288,7 @@
         </p:cxnSp>
         <p:sp>
           <p:nvSpPr>
-            <p:cNvPr id="24" name="Rectangle 23"/>
+            <p:cNvPr id="21" name="Rectangle 23"/>
             <p:cNvSpPr/>
             <p:nvPr/>
           </p:nvSpPr>
@@ -262,7 +326,7 @@
             </a:custGeom>
             <a:solidFill>
               <a:schemeClr val="accent1">
-                <a:alpha val="30000"/>
+                <a:alpha val="36000"/>
               </a:schemeClr>
             </a:solidFill>
             <a:ln>
@@ -287,7 +351,7 @@
         </p:sp>
         <p:sp>
           <p:nvSpPr>
-            <p:cNvPr id="26" name="Rectangle 25"/>
+            <p:cNvPr id="22" name="Rectangle 25"/>
             <p:cNvSpPr/>
             <p:nvPr/>
           </p:nvSpPr>
@@ -350,7 +414,7 @@
         </p:sp>
         <p:sp>
           <p:nvSpPr>
-            <p:cNvPr id="27" name="Isosceles Triangle 26"/>
+            <p:cNvPr id="23" name="Isosceles Triangle 22"/>
             <p:cNvSpPr/>
             <p:nvPr/>
           </p:nvSpPr>
@@ -365,8 +429,9 @@
               </a:avLst>
             </a:prstGeom>
             <a:solidFill>
-              <a:schemeClr val="accent2">
-                <a:alpha val="72000"/>
+              <a:schemeClr val="accent1">
+                <a:lumMod val="75000"/>
+                <a:alpha val="66000"/>
               </a:schemeClr>
             </a:solidFill>
             <a:ln>
@@ -391,7 +456,7 @@
         </p:sp>
         <p:sp>
           <p:nvSpPr>
-            <p:cNvPr id="28" name="Rectangle 27"/>
+            <p:cNvPr id="24" name="Rectangle 27"/>
             <p:cNvSpPr/>
             <p:nvPr/>
           </p:nvSpPr>
@@ -428,9 +493,9 @@
               </a:pathLst>
             </a:custGeom>
             <a:solidFill>
-              <a:schemeClr val="accent2">
+              <a:schemeClr val="accent1">
                 <a:lumMod val="75000"/>
-                <a:alpha val="70000"/>
+                <a:alpha val="50000"/>
               </a:schemeClr>
             </a:solidFill>
             <a:ln>
@@ -455,7 +520,7 @@
         </p:sp>
         <p:sp>
           <p:nvSpPr>
-            <p:cNvPr id="29" name="Rectangle 28"/>
+            <p:cNvPr id="25" name="Rectangle 28"/>
             <p:cNvSpPr/>
             <p:nvPr/>
           </p:nvSpPr>
@@ -492,9 +557,7 @@
               </a:pathLst>
             </a:custGeom>
             <a:solidFill>
-              <a:schemeClr val="accent1">
-                <a:lumMod val="60000"/>
-                <a:lumOff val="40000"/>
+              <a:schemeClr val="accent2">
                 <a:alpha val="70000"/>
               </a:schemeClr>
             </a:solidFill>
@@ -520,7 +583,7 @@
         </p:sp>
         <p:sp>
           <p:nvSpPr>
-            <p:cNvPr id="30" name="Rectangle 29"/>
+            <p:cNvPr id="26" name="Rectangle 29"/>
             <p:cNvSpPr/>
             <p:nvPr/>
           </p:nvSpPr>
@@ -557,48 +620,8 @@
               </a:pathLst>
             </a:custGeom>
             <a:solidFill>
-              <a:schemeClr val="accent1">
-                <a:alpha val="65000"/>
-              </a:schemeClr>
-            </a:solidFill>
-            <a:ln>
-              <a:noFill/>
-            </a:ln>
-            <a:effectLst/>
-          </p:spPr>
-          <p:style>
-            <a:lnRef idx="1">
-              <a:schemeClr val="accent1"/>
-            </a:lnRef>
-            <a:fillRef idx="3">
-              <a:schemeClr val="accent1"/>
-            </a:fillRef>
-            <a:effectRef idx="2">
-              <a:schemeClr val="accent1"/>
-            </a:effectRef>
-            <a:fontRef idx="minor">
-              <a:schemeClr val="lt1"/>
-            </a:fontRef>
-          </p:style>
-        </p:sp>
-        <p:sp>
-          <p:nvSpPr>
-            <p:cNvPr id="31" name="Isosceles Triangle 30"/>
-            <p:cNvSpPr/>
-            <p:nvPr/>
-          </p:nvSpPr>
-          <p:spPr>
-            <a:xfrm>
-              <a:off x="10371666" y="3589867"/>
-              <a:ext cx="1817159" cy="3268133"/>
-            </a:xfrm>
-            <a:prstGeom prst="triangle">
-              <a:avLst>
-                <a:gd name="adj" fmla="val 100000"/>
-              </a:avLst>
-            </a:prstGeom>
-            <a:solidFill>
-              <a:schemeClr val="accent1">
+              <a:schemeClr val="accent2">
+                <a:lumMod val="75000"/>
                 <a:alpha val="80000"/>
               </a:schemeClr>
             </a:solidFill>
@@ -624,14 +647,14 @@
         </p:sp>
         <p:sp>
           <p:nvSpPr>
-            <p:cNvPr id="19" name="Isosceles Triangle 18"/>
+            <p:cNvPr id="27" name="Isosceles Triangle 26"/>
             <p:cNvSpPr/>
             <p:nvPr/>
           </p:nvSpPr>
           <p:spPr>
-            <a:xfrm rot="10800000">
-              <a:off x="0" y="0"/>
-              <a:ext cx="842596" cy="5666154"/>
+            <a:xfrm>
+              <a:off x="10371666" y="3589867"/>
+              <a:ext cx="1817159" cy="3268133"/>
             </a:xfrm>
             <a:prstGeom prst="triangle">
               <a:avLst>
@@ -640,7 +663,8 @@
             </a:prstGeom>
             <a:solidFill>
               <a:schemeClr val="accent1">
-                <a:alpha val="85000"/>
+                <a:lumMod val="75000"/>
+                <a:alpha val="66000"/>
               </a:schemeClr>
             </a:solidFill>
             <a:ln>
@@ -714,7 +738,7 @@
         </p:nvSpPr>
         <p:spPr>
           <a:xfrm>
-            <a:off x="1507067" y="4050833"/>
+            <a:off x="1507067" y="4050835"/>
             <a:ext cx="7766936" cy="1096899"/>
           </a:xfrm>
         </p:spPr>
@@ -732,7 +756,7 @@
                 </a:solidFill>
               </a:defRPr>
             </a:lvl1pPr>
-            <a:lvl2pPr marL="457200" indent="0" algn="ctr">
+            <a:lvl2pPr marL="457189" indent="0" algn="ctr">
               <a:buNone/>
               <a:defRPr>
                 <a:solidFill>
@@ -742,7 +766,7 @@
                 </a:solidFill>
               </a:defRPr>
             </a:lvl2pPr>
-            <a:lvl3pPr marL="914400" indent="0" algn="ctr">
+            <a:lvl3pPr marL="914377" indent="0" algn="ctr">
               <a:buNone/>
               <a:defRPr>
                 <a:solidFill>
@@ -752,7 +776,7 @@
                 </a:solidFill>
               </a:defRPr>
             </a:lvl3pPr>
-            <a:lvl4pPr marL="1371600" indent="0" algn="ctr">
+            <a:lvl4pPr marL="1371566" indent="0" algn="ctr">
               <a:buNone/>
               <a:defRPr>
                 <a:solidFill>
@@ -762,7 +786,7 @@
                 </a:solidFill>
               </a:defRPr>
             </a:lvl4pPr>
-            <a:lvl5pPr marL="1828800" indent="0" algn="ctr">
+            <a:lvl5pPr marL="1828754" indent="0" algn="ctr">
               <a:buNone/>
               <a:defRPr>
                 <a:solidFill>
@@ -772,7 +796,7 @@
                 </a:solidFill>
               </a:defRPr>
             </a:lvl5pPr>
-            <a:lvl6pPr marL="2286000" indent="0" algn="ctr">
+            <a:lvl6pPr marL="2285943" indent="0" algn="ctr">
               <a:buNone/>
               <a:defRPr>
                 <a:solidFill>
@@ -782,7 +806,7 @@
                 </a:solidFill>
               </a:defRPr>
             </a:lvl6pPr>
-            <a:lvl7pPr marL="2743200" indent="0" algn="ctr">
+            <a:lvl7pPr marL="2743131" indent="0" algn="ctr">
               <a:buNone/>
               <a:defRPr>
                 <a:solidFill>
@@ -792,7 +816,7 @@
                 </a:solidFill>
               </a:defRPr>
             </a:lvl7pPr>
-            <a:lvl8pPr marL="3200400" indent="0" algn="ctr">
+            <a:lvl8pPr marL="3200320" indent="0" algn="ctr">
               <a:buNone/>
               <a:defRPr>
                 <a:solidFill>
@@ -802,7 +826,7 @@
                 </a:solidFill>
               </a:defRPr>
             </a:lvl8pPr>
-            <a:lvl9pPr marL="3657600" indent="0" algn="ctr">
+            <a:lvl9pPr marL="3657509" indent="0" algn="ctr">
               <a:buNone/>
               <a:defRPr>
                 <a:solidFill>
@@ -839,7 +863,7 @@
           <a:p>
             <a:fld id="{47106164-FC4F-8341-9BF7-6BFA5E1B9C49}" type="datetimeFigureOut">
               <a:rPr lang="de-DE" smtClean="0"/>
-              <a:t>15.05.17</a:t>
+              <a:t>17.05.17</a:t>
             </a:fld>
             <a:endParaRPr lang="de-DE"/>
           </a:p>
@@ -978,7 +1002,7 @@
                 </a:solidFill>
               </a:defRPr>
             </a:lvl1pPr>
-            <a:lvl2pPr marL="457200" indent="0">
+            <a:lvl2pPr marL="457189" indent="0">
               <a:buNone/>
               <a:defRPr sz="1800">
                 <a:solidFill>
@@ -988,7 +1012,7 @@
                 </a:solidFill>
               </a:defRPr>
             </a:lvl2pPr>
-            <a:lvl3pPr marL="914400" indent="0">
+            <a:lvl3pPr marL="914377" indent="0">
               <a:buNone/>
               <a:defRPr sz="1600">
                 <a:solidFill>
@@ -998,7 +1022,7 @@
                 </a:solidFill>
               </a:defRPr>
             </a:lvl3pPr>
-            <a:lvl4pPr marL="1371600" indent="0">
+            <a:lvl4pPr marL="1371566" indent="0">
               <a:buNone/>
               <a:defRPr sz="1400">
                 <a:solidFill>
@@ -1008,7 +1032,7 @@
                 </a:solidFill>
               </a:defRPr>
             </a:lvl4pPr>
-            <a:lvl5pPr marL="1828800" indent="0">
+            <a:lvl5pPr marL="1828754" indent="0">
               <a:buNone/>
               <a:defRPr sz="1400">
                 <a:solidFill>
@@ -1018,7 +1042,7 @@
                 </a:solidFill>
               </a:defRPr>
             </a:lvl5pPr>
-            <a:lvl6pPr marL="2286000" indent="0">
+            <a:lvl6pPr marL="2285943" indent="0">
               <a:buNone/>
               <a:defRPr sz="1400">
                 <a:solidFill>
@@ -1028,7 +1052,7 @@
                 </a:solidFill>
               </a:defRPr>
             </a:lvl6pPr>
-            <a:lvl7pPr marL="2743200" indent="0">
+            <a:lvl7pPr marL="2743131" indent="0">
               <a:buNone/>
               <a:defRPr sz="1400">
                 <a:solidFill>
@@ -1038,7 +1062,7 @@
                 </a:solidFill>
               </a:defRPr>
             </a:lvl7pPr>
-            <a:lvl8pPr marL="3200400" indent="0">
+            <a:lvl8pPr marL="3200320" indent="0">
               <a:buNone/>
               <a:defRPr sz="1400">
                 <a:solidFill>
@@ -1048,7 +1072,7 @@
                 </a:solidFill>
               </a:defRPr>
             </a:lvl8pPr>
-            <a:lvl9pPr marL="3657600" indent="0">
+            <a:lvl9pPr marL="3657509" indent="0">
               <a:buNone/>
               <a:defRPr sz="1400">
                 <a:solidFill>
@@ -1085,7 +1109,7 @@
           <a:p>
             <a:fld id="{47106164-FC4F-8341-9BF7-6BFA5E1B9C49}" type="datetimeFigureOut">
               <a:rPr lang="de-DE" smtClean="0"/>
-              <a:t>15.05.17</a:t>
+              <a:t>17.05.17</a:t>
             </a:fld>
             <a:endParaRPr lang="de-DE"/>
           </a:p>
@@ -1171,7 +1195,7 @@
         <p:spPr>
           <a:xfrm>
             <a:off x="931334" y="609600"/>
-            <a:ext cx="8094134" cy="3022600"/>
+            <a:ext cx="8094135" cy="3022600"/>
           </a:xfrm>
         </p:spPr>
         <p:txBody>
@@ -1225,22 +1249,22 @@
                 </a:solidFill>
               </a:defRPr>
             </a:lvl1pPr>
-            <a:lvl2pPr marL="457200" indent="0">
+            <a:lvl2pPr marL="457189" indent="0">
               <a:buFontTx/>
               <a:buNone/>
               <a:defRPr/>
             </a:lvl2pPr>
-            <a:lvl3pPr marL="914400" indent="0">
+            <a:lvl3pPr marL="914377" indent="0">
               <a:buFontTx/>
               <a:buNone/>
               <a:defRPr/>
             </a:lvl3pPr>
-            <a:lvl4pPr marL="1371600" indent="0">
+            <a:lvl4pPr marL="1371566" indent="0">
               <a:buFontTx/>
               <a:buNone/>
               <a:defRPr/>
             </a:lvl4pPr>
-            <a:lvl5pPr marL="1828800" indent="0">
+            <a:lvl5pPr marL="1828754" indent="0">
               <a:buFontTx/>
               <a:buNone/>
               <a:defRPr/>
@@ -1287,7 +1311,7 @@
                 </a:solidFill>
               </a:defRPr>
             </a:lvl1pPr>
-            <a:lvl2pPr marL="457200" indent="0">
+            <a:lvl2pPr marL="457189" indent="0">
               <a:buNone/>
               <a:defRPr sz="1800">
                 <a:solidFill>
@@ -1297,7 +1321,7 @@
                 </a:solidFill>
               </a:defRPr>
             </a:lvl2pPr>
-            <a:lvl3pPr marL="914400" indent="0">
+            <a:lvl3pPr marL="914377" indent="0">
               <a:buNone/>
               <a:defRPr sz="1600">
                 <a:solidFill>
@@ -1307,7 +1331,7 @@
                 </a:solidFill>
               </a:defRPr>
             </a:lvl3pPr>
-            <a:lvl4pPr marL="1371600" indent="0">
+            <a:lvl4pPr marL="1371566" indent="0">
               <a:buNone/>
               <a:defRPr sz="1400">
                 <a:solidFill>
@@ -1317,7 +1341,7 @@
                 </a:solidFill>
               </a:defRPr>
             </a:lvl4pPr>
-            <a:lvl5pPr marL="1828800" indent="0">
+            <a:lvl5pPr marL="1828754" indent="0">
               <a:buNone/>
               <a:defRPr sz="1400">
                 <a:solidFill>
@@ -1327,7 +1351,7 @@
                 </a:solidFill>
               </a:defRPr>
             </a:lvl5pPr>
-            <a:lvl6pPr marL="2286000" indent="0">
+            <a:lvl6pPr marL="2285943" indent="0">
               <a:buNone/>
               <a:defRPr sz="1400">
                 <a:solidFill>
@@ -1337,7 +1361,7 @@
                 </a:solidFill>
               </a:defRPr>
             </a:lvl6pPr>
-            <a:lvl7pPr marL="2743200" indent="0">
+            <a:lvl7pPr marL="2743131" indent="0">
               <a:buNone/>
               <a:defRPr sz="1400">
                 <a:solidFill>
@@ -1347,7 +1371,7 @@
                 </a:solidFill>
               </a:defRPr>
             </a:lvl7pPr>
-            <a:lvl8pPr marL="3200400" indent="0">
+            <a:lvl8pPr marL="3200320" indent="0">
               <a:buNone/>
               <a:defRPr sz="1400">
                 <a:solidFill>
@@ -1357,7 +1381,7 @@
                 </a:solidFill>
               </a:defRPr>
             </a:lvl8pPr>
-            <a:lvl9pPr marL="3657600" indent="0">
+            <a:lvl9pPr marL="3657509" indent="0">
               <a:buNone/>
               <a:defRPr sz="1400">
                 <a:solidFill>
@@ -1394,7 +1418,7 @@
           <a:p>
             <a:fld id="{47106164-FC4F-8341-9BF7-6BFA5E1B9C49}" type="datetimeFigureOut">
               <a:rPr lang="de-DE" smtClean="0"/>
-              <a:t>15.05.17</a:t>
+              <a:t>17.05.17</a:t>
             </a:fld>
             <a:endParaRPr lang="de-DE"/>
           </a:p>
@@ -1444,13 +1468,13 @@
       </p:sp>
       <p:sp>
         <p:nvSpPr>
-          <p:cNvPr id="20" name="TextBox 19"/>
+          <p:cNvPr id="24" name="TextBox 23"/>
           <p:cNvSpPr txBox="1"/>
           <p:nvPr/>
         </p:nvSpPr>
         <p:spPr>
           <a:xfrm>
-            <a:off x="541870" y="790378"/>
+            <a:off x="541871" y="790378"/>
             <a:ext cx="609600" cy="584776"/>
           </a:xfrm>
           <a:prstGeom prst="rect">
@@ -1485,7 +1509,7 @@
       </p:sp>
       <p:sp>
         <p:nvSpPr>
-          <p:cNvPr id="22" name="TextBox 21"/>
+          <p:cNvPr id="25" name="TextBox 24"/>
           <p:cNvSpPr txBox="1"/>
           <p:nvPr/>
         </p:nvSpPr>
@@ -1516,19 +1540,11 @@
                     <a:lumOff val="40000"/>
                   </a:schemeClr>
                 </a:solidFill>
+                <a:effectLst/>
                 <a:latin typeface="Arial"/>
               </a:rPr>
               <a:t>”</a:t>
             </a:r>
-            <a:endParaRPr lang="en-US" dirty="0">
-              <a:solidFill>
-                <a:schemeClr val="accent1">
-                  <a:lumMod val="60000"/>
-                  <a:lumOff val="40000"/>
-                </a:schemeClr>
-              </a:solidFill>
-              <a:latin typeface="Arial"/>
-            </a:endParaRPr>
           </a:p>
         </p:txBody>
       </p:sp>
@@ -1623,7 +1639,7 @@
                 </a:solidFill>
               </a:defRPr>
             </a:lvl1pPr>
-            <a:lvl2pPr marL="457200" indent="0">
+            <a:lvl2pPr marL="457189" indent="0">
               <a:buNone/>
               <a:defRPr sz="1800">
                 <a:solidFill>
@@ -1633,7 +1649,7 @@
                 </a:solidFill>
               </a:defRPr>
             </a:lvl2pPr>
-            <a:lvl3pPr marL="914400" indent="0">
+            <a:lvl3pPr marL="914377" indent="0">
               <a:buNone/>
               <a:defRPr sz="1600">
                 <a:solidFill>
@@ -1643,7 +1659,7 @@
                 </a:solidFill>
               </a:defRPr>
             </a:lvl3pPr>
-            <a:lvl4pPr marL="1371600" indent="0">
+            <a:lvl4pPr marL="1371566" indent="0">
               <a:buNone/>
               <a:defRPr sz="1400">
                 <a:solidFill>
@@ -1653,7 +1669,7 @@
                 </a:solidFill>
               </a:defRPr>
             </a:lvl4pPr>
-            <a:lvl5pPr marL="1828800" indent="0">
+            <a:lvl5pPr marL="1828754" indent="0">
               <a:buNone/>
               <a:defRPr sz="1400">
                 <a:solidFill>
@@ -1663,7 +1679,7 @@
                 </a:solidFill>
               </a:defRPr>
             </a:lvl5pPr>
-            <a:lvl6pPr marL="2286000" indent="0">
+            <a:lvl6pPr marL="2285943" indent="0">
               <a:buNone/>
               <a:defRPr sz="1400">
                 <a:solidFill>
@@ -1673,7 +1689,7 @@
                 </a:solidFill>
               </a:defRPr>
             </a:lvl6pPr>
-            <a:lvl7pPr marL="2743200" indent="0">
+            <a:lvl7pPr marL="2743131" indent="0">
               <a:buNone/>
               <a:defRPr sz="1400">
                 <a:solidFill>
@@ -1683,7 +1699,7 @@
                 </a:solidFill>
               </a:defRPr>
             </a:lvl7pPr>
-            <a:lvl8pPr marL="3200400" indent="0">
+            <a:lvl8pPr marL="3200320" indent="0">
               <a:buNone/>
               <a:defRPr sz="1400">
                 <a:solidFill>
@@ -1693,7 +1709,7 @@
                 </a:solidFill>
               </a:defRPr>
             </a:lvl8pPr>
-            <a:lvl9pPr marL="3657600" indent="0">
+            <a:lvl9pPr marL="3657509" indent="0">
               <a:buNone/>
               <a:defRPr sz="1400">
                 <a:solidFill>
@@ -1730,7 +1746,7 @@
           <a:p>
             <a:fld id="{47106164-FC4F-8341-9BF7-6BFA5E1B9C49}" type="datetimeFigureOut">
               <a:rPr lang="de-DE" smtClean="0"/>
-              <a:t>15.05.17</a:t>
+              <a:t>17.05.17</a:t>
             </a:fld>
             <a:endParaRPr lang="de-DE"/>
           </a:p>
@@ -1816,7 +1832,7 @@
         <p:spPr>
           <a:xfrm>
             <a:off x="931334" y="609600"/>
-            <a:ext cx="8094134" cy="3022600"/>
+            <a:ext cx="8094135" cy="3022600"/>
           </a:xfrm>
         </p:spPr>
         <p:txBody>
@@ -1870,22 +1886,22 @@
                 </a:solidFill>
               </a:defRPr>
             </a:lvl1pPr>
-            <a:lvl2pPr marL="457200" indent="0">
+            <a:lvl2pPr marL="457189" indent="0">
               <a:buFontTx/>
               <a:buNone/>
               <a:defRPr/>
             </a:lvl2pPr>
-            <a:lvl3pPr marL="914400" indent="0">
+            <a:lvl3pPr marL="914377" indent="0">
               <a:buFontTx/>
               <a:buNone/>
               <a:defRPr/>
             </a:lvl3pPr>
-            <a:lvl4pPr marL="1371600" indent="0">
+            <a:lvl4pPr marL="1371566" indent="0">
               <a:buFontTx/>
               <a:buNone/>
               <a:defRPr/>
             </a:lvl4pPr>
-            <a:lvl5pPr marL="1828800" indent="0">
+            <a:lvl5pPr marL="1828754" indent="0">
               <a:buFontTx/>
               <a:buNone/>
               <a:defRPr/>
@@ -1932,7 +1948,7 @@
                 </a:solidFill>
               </a:defRPr>
             </a:lvl1pPr>
-            <a:lvl2pPr marL="457200" indent="0">
+            <a:lvl2pPr marL="457189" indent="0">
               <a:buNone/>
               <a:defRPr sz="1800">
                 <a:solidFill>
@@ -1942,7 +1958,7 @@
                 </a:solidFill>
               </a:defRPr>
             </a:lvl2pPr>
-            <a:lvl3pPr marL="914400" indent="0">
+            <a:lvl3pPr marL="914377" indent="0">
               <a:buNone/>
               <a:defRPr sz="1600">
                 <a:solidFill>
@@ -1952,7 +1968,7 @@
                 </a:solidFill>
               </a:defRPr>
             </a:lvl3pPr>
-            <a:lvl4pPr marL="1371600" indent="0">
+            <a:lvl4pPr marL="1371566" indent="0">
               <a:buNone/>
               <a:defRPr sz="1400">
                 <a:solidFill>
@@ -1962,7 +1978,7 @@
                 </a:solidFill>
               </a:defRPr>
             </a:lvl4pPr>
-            <a:lvl5pPr marL="1828800" indent="0">
+            <a:lvl5pPr marL="1828754" indent="0">
               <a:buNone/>
               <a:defRPr sz="1400">
                 <a:solidFill>
@@ -1972,7 +1988,7 @@
                 </a:solidFill>
               </a:defRPr>
             </a:lvl5pPr>
-            <a:lvl6pPr marL="2286000" indent="0">
+            <a:lvl6pPr marL="2285943" indent="0">
               <a:buNone/>
               <a:defRPr sz="1400">
                 <a:solidFill>
@@ -1982,7 +1998,7 @@
                 </a:solidFill>
               </a:defRPr>
             </a:lvl6pPr>
-            <a:lvl7pPr marL="2743200" indent="0">
+            <a:lvl7pPr marL="2743131" indent="0">
               <a:buNone/>
               <a:defRPr sz="1400">
                 <a:solidFill>
@@ -1992,7 +2008,7 @@
                 </a:solidFill>
               </a:defRPr>
             </a:lvl7pPr>
-            <a:lvl8pPr marL="3200400" indent="0">
+            <a:lvl8pPr marL="3200320" indent="0">
               <a:buNone/>
               <a:defRPr sz="1400">
                 <a:solidFill>
@@ -2002,7 +2018,7 @@
                 </a:solidFill>
               </a:defRPr>
             </a:lvl8pPr>
-            <a:lvl9pPr marL="3657600" indent="0">
+            <a:lvl9pPr marL="3657509" indent="0">
               <a:buNone/>
               <a:defRPr sz="1400">
                 <a:solidFill>
@@ -2039,7 +2055,7 @@
           <a:p>
             <a:fld id="{47106164-FC4F-8341-9BF7-6BFA5E1B9C49}" type="datetimeFigureOut">
               <a:rPr lang="de-DE" smtClean="0"/>
-              <a:t>15.05.17</a:t>
+              <a:t>17.05.17</a:t>
             </a:fld>
             <a:endParaRPr lang="de-DE"/>
           </a:p>
@@ -2095,7 +2111,7 @@
         </p:nvSpPr>
         <p:spPr>
           <a:xfrm>
-            <a:off x="541870" y="790378"/>
+            <a:off x="541871" y="790378"/>
             <a:ext cx="609600" cy="584776"/>
           </a:xfrm>
           <a:prstGeom prst="rect">
@@ -2206,7 +2222,7 @@
         </p:nvSpPr>
         <p:spPr>
           <a:xfrm>
-            <a:off x="685799" y="609600"/>
+            <a:off x="685800" y="609600"/>
             <a:ext cx="8588203" cy="3022600"/>
           </a:xfrm>
         </p:spPr>
@@ -2258,22 +2274,22 @@
                 </a:solidFill>
               </a:defRPr>
             </a:lvl1pPr>
-            <a:lvl2pPr marL="457200" indent="0">
+            <a:lvl2pPr marL="457189" indent="0">
               <a:buFontTx/>
               <a:buNone/>
               <a:defRPr/>
             </a:lvl2pPr>
-            <a:lvl3pPr marL="914400" indent="0">
+            <a:lvl3pPr marL="914377" indent="0">
               <a:buFontTx/>
               <a:buNone/>
               <a:defRPr/>
             </a:lvl3pPr>
-            <a:lvl4pPr marL="1371600" indent="0">
+            <a:lvl4pPr marL="1371566" indent="0">
               <a:buFontTx/>
               <a:buNone/>
               <a:defRPr/>
             </a:lvl4pPr>
-            <a:lvl5pPr marL="1828800" indent="0">
+            <a:lvl5pPr marL="1828754" indent="0">
               <a:buFontTx/>
               <a:buNone/>
               <a:defRPr/>
@@ -2320,7 +2336,7 @@
                 </a:solidFill>
               </a:defRPr>
             </a:lvl1pPr>
-            <a:lvl2pPr marL="457200" indent="0">
+            <a:lvl2pPr marL="457189" indent="0">
               <a:buNone/>
               <a:defRPr sz="1800">
                 <a:solidFill>
@@ -2330,7 +2346,7 @@
                 </a:solidFill>
               </a:defRPr>
             </a:lvl2pPr>
-            <a:lvl3pPr marL="914400" indent="0">
+            <a:lvl3pPr marL="914377" indent="0">
               <a:buNone/>
               <a:defRPr sz="1600">
                 <a:solidFill>
@@ -2340,7 +2356,7 @@
                 </a:solidFill>
               </a:defRPr>
             </a:lvl3pPr>
-            <a:lvl4pPr marL="1371600" indent="0">
+            <a:lvl4pPr marL="1371566" indent="0">
               <a:buNone/>
               <a:defRPr sz="1400">
                 <a:solidFill>
@@ -2350,7 +2366,7 @@
                 </a:solidFill>
               </a:defRPr>
             </a:lvl4pPr>
-            <a:lvl5pPr marL="1828800" indent="0">
+            <a:lvl5pPr marL="1828754" indent="0">
               <a:buNone/>
               <a:defRPr sz="1400">
                 <a:solidFill>
@@ -2360,7 +2376,7 @@
                 </a:solidFill>
               </a:defRPr>
             </a:lvl5pPr>
-            <a:lvl6pPr marL="2286000" indent="0">
+            <a:lvl6pPr marL="2285943" indent="0">
               <a:buNone/>
               <a:defRPr sz="1400">
                 <a:solidFill>
@@ -2370,7 +2386,7 @@
                 </a:solidFill>
               </a:defRPr>
             </a:lvl6pPr>
-            <a:lvl7pPr marL="2743200" indent="0">
+            <a:lvl7pPr marL="2743131" indent="0">
               <a:buNone/>
               <a:defRPr sz="1400">
                 <a:solidFill>
@@ -2380,7 +2396,7 @@
                 </a:solidFill>
               </a:defRPr>
             </a:lvl7pPr>
-            <a:lvl8pPr marL="3200400" indent="0">
+            <a:lvl8pPr marL="3200320" indent="0">
               <a:buNone/>
               <a:defRPr sz="1400">
                 <a:solidFill>
@@ -2390,7 +2406,7 @@
                 </a:solidFill>
               </a:defRPr>
             </a:lvl8pPr>
-            <a:lvl9pPr marL="3657600" indent="0">
+            <a:lvl9pPr marL="3657509" indent="0">
               <a:buNone/>
               <a:defRPr sz="1400">
                 <a:solidFill>
@@ -2427,7 +2443,7 @@
           <a:p>
             <a:fld id="{47106164-FC4F-8341-9BF7-6BFA5E1B9C49}" type="datetimeFigureOut">
               <a:rPr lang="de-DE" smtClean="0"/>
-              <a:t>15.05.17</a:t>
+              <a:t>17.05.17</a:t>
             </a:fld>
             <a:endParaRPr lang="de-DE"/>
           </a:p>
@@ -2592,7 +2608,7 @@
           <a:p>
             <a:fld id="{47106164-FC4F-8341-9BF7-6BFA5E1B9C49}" type="datetimeFigureOut">
               <a:rPr lang="de-DE" smtClean="0"/>
-              <a:t>15.05.17</a:t>
+              <a:t>17.05.17</a:t>
             </a:fld>
             <a:endParaRPr lang="de-DE"/>
           </a:p>
@@ -2677,7 +2693,7 @@
         </p:nvSpPr>
         <p:spPr>
           <a:xfrm>
-            <a:off x="7967673" y="609599"/>
+            <a:off x="7967674" y="609601"/>
             <a:ext cx="1304743" cy="5251451"/>
           </a:xfrm>
         </p:spPr>
@@ -2706,7 +2722,7 @@
         <p:spPr>
           <a:xfrm>
             <a:off x="677335" y="609600"/>
-            <a:ext cx="7060150" cy="5251450"/>
+            <a:ext cx="7060151" cy="5251450"/>
           </a:xfrm>
         </p:spPr>
         <p:txBody>
@@ -2767,7 +2783,7 @@
           <a:p>
             <a:fld id="{47106164-FC4F-8341-9BF7-6BFA5E1B9C49}" type="datetimeFigureOut">
               <a:rPr lang="de-DE" smtClean="0"/>
-              <a:t>15.05.17</a:t>
+              <a:t>17.05.17</a:t>
             </a:fld>
             <a:endParaRPr lang="de-DE"/>
           </a:p>
@@ -2852,14 +2868,8 @@
         </p:nvSpPr>
         <p:spPr/>
         <p:txBody>
-          <a:bodyPr>
-            <a:normAutofit/>
-          </a:bodyPr>
-          <a:lstStyle>
-            <a:lvl1pPr>
-              <a:defRPr sz="3600"/>
-            </a:lvl1pPr>
-          </a:lstStyle>
+          <a:bodyPr/>
+          <a:lstStyle/>
           <a:p>
             <a:r>
               <a:rPr lang="de-DE" smtClean="0"/>
@@ -2938,7 +2948,7 @@
           <a:p>
             <a:fld id="{47106164-FC4F-8341-9BF7-6BFA5E1B9C49}" type="datetimeFigureOut">
               <a:rPr lang="de-DE" smtClean="0"/>
-              <a:t>15.05.17</a:t>
+              <a:t>17.05.17</a:t>
             </a:fld>
             <a:endParaRPr lang="de-DE"/>
           </a:p>
@@ -3023,7 +3033,7 @@
         </p:nvSpPr>
         <p:spPr>
           <a:xfrm>
-            <a:off x="677335" y="2700867"/>
+            <a:off x="677335" y="2700869"/>
             <a:ext cx="8596668" cy="1826581"/>
           </a:xfrm>
         </p:spPr>
@@ -3073,7 +3083,7 @@
                 </a:solidFill>
               </a:defRPr>
             </a:lvl1pPr>
-            <a:lvl2pPr marL="457200" indent="0">
+            <a:lvl2pPr marL="457189" indent="0">
               <a:buNone/>
               <a:defRPr sz="1800">
                 <a:solidFill>
@@ -3083,7 +3093,7 @@
                 </a:solidFill>
               </a:defRPr>
             </a:lvl2pPr>
-            <a:lvl3pPr marL="914400" indent="0">
+            <a:lvl3pPr marL="914377" indent="0">
               <a:buNone/>
               <a:defRPr sz="1600">
                 <a:solidFill>
@@ -3093,7 +3103,7 @@
                 </a:solidFill>
               </a:defRPr>
             </a:lvl3pPr>
-            <a:lvl4pPr marL="1371600" indent="0">
+            <a:lvl4pPr marL="1371566" indent="0">
               <a:buNone/>
               <a:defRPr sz="1400">
                 <a:solidFill>
@@ -3103,7 +3113,7 @@
                 </a:solidFill>
               </a:defRPr>
             </a:lvl4pPr>
-            <a:lvl5pPr marL="1828800" indent="0">
+            <a:lvl5pPr marL="1828754" indent="0">
               <a:buNone/>
               <a:defRPr sz="1400">
                 <a:solidFill>
@@ -3113,7 +3123,7 @@
                 </a:solidFill>
               </a:defRPr>
             </a:lvl5pPr>
-            <a:lvl6pPr marL="2286000" indent="0">
+            <a:lvl6pPr marL="2285943" indent="0">
               <a:buNone/>
               <a:defRPr sz="1400">
                 <a:solidFill>
@@ -3123,7 +3133,7 @@
                 </a:solidFill>
               </a:defRPr>
             </a:lvl6pPr>
-            <a:lvl7pPr marL="2743200" indent="0">
+            <a:lvl7pPr marL="2743131" indent="0">
               <a:buNone/>
               <a:defRPr sz="1400">
                 <a:solidFill>
@@ -3133,7 +3143,7 @@
                 </a:solidFill>
               </a:defRPr>
             </a:lvl7pPr>
-            <a:lvl8pPr marL="3200400" indent="0">
+            <a:lvl8pPr marL="3200320" indent="0">
               <a:buNone/>
               <a:defRPr sz="1400">
                 <a:solidFill>
@@ -3143,7 +3153,7 @@
                 </a:solidFill>
               </a:defRPr>
             </a:lvl8pPr>
-            <a:lvl9pPr marL="3657600" indent="0">
+            <a:lvl9pPr marL="3657509" indent="0">
               <a:buNone/>
               <a:defRPr sz="1400">
                 <a:solidFill>
@@ -3180,7 +3190,7 @@
           <a:p>
             <a:fld id="{47106164-FC4F-8341-9BF7-6BFA5E1B9C49}" type="datetimeFigureOut">
               <a:rPr lang="de-DE" smtClean="0"/>
-              <a:t>15.05.17</a:t>
+              <a:t>17.05.17</a:t>
             </a:fld>
             <a:endParaRPr lang="de-DE"/>
           </a:p>
@@ -3288,7 +3298,7 @@
         </p:nvSpPr>
         <p:spPr>
           <a:xfrm>
-            <a:off x="677334" y="2160589"/>
+            <a:off x="677335" y="2160589"/>
             <a:ext cx="4184035" cy="3880772"/>
           </a:xfrm>
         </p:spPr>
@@ -3345,8 +3355,8 @@
         </p:nvSpPr>
         <p:spPr>
           <a:xfrm>
-            <a:off x="5089970" y="2160589"/>
-            <a:ext cx="4184034" cy="3880773"/>
+            <a:off x="5089969" y="2160590"/>
+            <a:ext cx="4184035" cy="3880773"/>
           </a:xfrm>
         </p:spPr>
         <p:txBody>
@@ -3407,7 +3417,7 @@
           <a:p>
             <a:fld id="{47106164-FC4F-8341-9BF7-6BFA5E1B9C49}" type="datetimeFigureOut">
               <a:rPr lang="de-DE" smtClean="0"/>
-              <a:t>15.05.17</a:t>
+              <a:t>17.05.17</a:t>
             </a:fld>
             <a:endParaRPr lang="de-DE"/>
           </a:p>
@@ -3519,7 +3529,7 @@
         </p:nvSpPr>
         <p:spPr>
           <a:xfrm>
-            <a:off x="675745" y="2160983"/>
+            <a:off x="675746" y="2160983"/>
             <a:ext cx="4185623" cy="576262"/>
           </a:xfrm>
         </p:spPr>
@@ -3532,35 +3542,35 @@
               <a:buNone/>
               <a:defRPr sz="2400" b="0"/>
             </a:lvl1pPr>
-            <a:lvl2pPr marL="457200" indent="0">
+            <a:lvl2pPr marL="457189" indent="0">
               <a:buNone/>
               <a:defRPr sz="2000" b="1"/>
             </a:lvl2pPr>
-            <a:lvl3pPr marL="914400" indent="0">
+            <a:lvl3pPr marL="914377" indent="0">
               <a:buNone/>
               <a:defRPr sz="1800" b="1"/>
             </a:lvl3pPr>
-            <a:lvl4pPr marL="1371600" indent="0">
+            <a:lvl4pPr marL="1371566" indent="0">
               <a:buNone/>
               <a:defRPr sz="1600" b="1"/>
             </a:lvl4pPr>
-            <a:lvl5pPr marL="1828800" indent="0">
+            <a:lvl5pPr marL="1828754" indent="0">
               <a:buNone/>
               <a:defRPr sz="1600" b="1"/>
             </a:lvl5pPr>
-            <a:lvl6pPr marL="2286000" indent="0">
+            <a:lvl6pPr marL="2285943" indent="0">
               <a:buNone/>
               <a:defRPr sz="1600" b="1"/>
             </a:lvl6pPr>
-            <a:lvl7pPr marL="2743200" indent="0">
+            <a:lvl7pPr marL="2743131" indent="0">
               <a:buNone/>
               <a:defRPr sz="1600" b="1"/>
             </a:lvl7pPr>
-            <a:lvl8pPr marL="3200400" indent="0">
+            <a:lvl8pPr marL="3200320" indent="0">
               <a:buNone/>
               <a:defRPr sz="1600" b="1"/>
             </a:lvl8pPr>
-            <a:lvl9pPr marL="3657600" indent="0">
+            <a:lvl9pPr marL="3657509" indent="0">
               <a:buNone/>
               <a:defRPr sz="1600" b="1"/>
             </a:lvl9pPr>
@@ -3586,7 +3596,7 @@
         </p:nvSpPr>
         <p:spPr>
           <a:xfrm>
-            <a:off x="675745" y="2737245"/>
+            <a:off x="675746" y="2737247"/>
             <a:ext cx="4185623" cy="3304117"/>
           </a:xfrm>
         </p:spPr>
@@ -3646,7 +3656,7 @@
         <p:spPr>
           <a:xfrm>
             <a:off x="5088383" y="2160983"/>
-            <a:ext cx="4185618" cy="576262"/>
+            <a:ext cx="4185619" cy="576262"/>
           </a:xfrm>
         </p:spPr>
         <p:txBody>
@@ -3658,35 +3668,35 @@
               <a:buNone/>
               <a:defRPr sz="2400" b="0"/>
             </a:lvl1pPr>
-            <a:lvl2pPr marL="457200" indent="0">
+            <a:lvl2pPr marL="457189" indent="0">
               <a:buNone/>
               <a:defRPr sz="2000" b="1"/>
             </a:lvl2pPr>
-            <a:lvl3pPr marL="914400" indent="0">
+            <a:lvl3pPr marL="914377" indent="0">
               <a:buNone/>
               <a:defRPr sz="1800" b="1"/>
             </a:lvl3pPr>
-            <a:lvl4pPr marL="1371600" indent="0">
+            <a:lvl4pPr marL="1371566" indent="0">
               <a:buNone/>
               <a:defRPr sz="1600" b="1"/>
             </a:lvl4pPr>
-            <a:lvl5pPr marL="1828800" indent="0">
+            <a:lvl5pPr marL="1828754" indent="0">
               <a:buNone/>
               <a:defRPr sz="1600" b="1"/>
             </a:lvl5pPr>
-            <a:lvl6pPr marL="2286000" indent="0">
+            <a:lvl6pPr marL="2285943" indent="0">
               <a:buNone/>
               <a:defRPr sz="1600" b="1"/>
             </a:lvl6pPr>
-            <a:lvl7pPr marL="2743200" indent="0">
+            <a:lvl7pPr marL="2743131" indent="0">
               <a:buNone/>
               <a:defRPr sz="1600" b="1"/>
             </a:lvl7pPr>
-            <a:lvl8pPr marL="3200400" indent="0">
+            <a:lvl8pPr marL="3200320" indent="0">
               <a:buNone/>
               <a:defRPr sz="1600" b="1"/>
             </a:lvl8pPr>
-            <a:lvl9pPr marL="3657600" indent="0">
+            <a:lvl9pPr marL="3657509" indent="0">
               <a:buNone/>
               <a:defRPr sz="1600" b="1"/>
             </a:lvl9pPr>
@@ -3712,7 +3722,7 @@
         </p:nvSpPr>
         <p:spPr>
           <a:xfrm>
-            <a:off x="5088384" y="2737245"/>
+            <a:off x="5088385" y="2737247"/>
             <a:ext cx="4185617" cy="3304117"/>
           </a:xfrm>
         </p:spPr>
@@ -3776,7 +3786,7 @@
           <a:p>
             <a:fld id="{47106164-FC4F-8341-9BF7-6BFA5E1B9C49}" type="datetimeFigureOut">
               <a:rPr lang="de-DE" smtClean="0"/>
-              <a:t>15.05.17</a:t>
+              <a:t>17.05.17</a:t>
             </a:fld>
             <a:endParaRPr lang="de-DE"/>
           </a:p>
@@ -3861,7 +3871,7 @@
         </p:nvSpPr>
         <p:spPr>
           <a:xfrm>
-            <a:off x="677334" y="609600"/>
+            <a:off x="677335" y="609600"/>
             <a:ext cx="8596668" cy="1320800"/>
           </a:xfrm>
         </p:spPr>
@@ -3894,7 +3904,7 @@
           <a:p>
             <a:fld id="{47106164-FC4F-8341-9BF7-6BFA5E1B9C49}" type="datetimeFigureOut">
               <a:rPr lang="de-DE" smtClean="0"/>
-              <a:t>15.05.17</a:t>
+              <a:t>17.05.17</a:t>
             </a:fld>
             <a:endParaRPr lang="de-DE"/>
           </a:p>
@@ -3984,7 +3994,7 @@
           <a:p>
             <a:fld id="{47106164-FC4F-8341-9BF7-6BFA5E1B9C49}" type="datetimeFigureOut">
               <a:rPr lang="de-DE" smtClean="0"/>
-              <a:t>15.05.17</a:t>
+              <a:t>17.05.17</a:t>
             </a:fld>
             <a:endParaRPr lang="de-DE"/>
           </a:p>
@@ -4069,7 +4079,7 @@
         </p:nvSpPr>
         <p:spPr>
           <a:xfrm>
-            <a:off x="677334" y="1498604"/>
+            <a:off x="677335" y="1498604"/>
             <a:ext cx="3854528" cy="1278466"/>
           </a:xfrm>
         </p:spPr>
@@ -4103,7 +4113,7 @@
         </p:nvSpPr>
         <p:spPr>
           <a:xfrm>
-            <a:off x="4760461" y="514924"/>
+            <a:off x="4760462" y="514926"/>
             <a:ext cx="4513541" cy="5526437"/>
           </a:xfrm>
         </p:spPr>
@@ -4162,7 +4172,7 @@
         </p:nvSpPr>
         <p:spPr>
           <a:xfrm>
-            <a:off x="677334" y="2777069"/>
+            <a:off x="677335" y="2777069"/>
             <a:ext cx="3854528" cy="2584449"/>
           </a:xfrm>
         </p:spPr>
@@ -4175,35 +4185,35 @@
               <a:buNone/>
               <a:defRPr sz="1400"/>
             </a:lvl1pPr>
-            <a:lvl2pPr marL="457063" indent="0">
+            <a:lvl2pPr marL="457051" indent="0">
               <a:buNone/>
               <a:defRPr sz="1400"/>
             </a:lvl2pPr>
-            <a:lvl3pPr marL="914126" indent="0">
+            <a:lvl3pPr marL="914104" indent="0">
               <a:buNone/>
               <a:defRPr sz="1200"/>
             </a:lvl3pPr>
-            <a:lvl4pPr marL="1371189" indent="0">
+            <a:lvl4pPr marL="1371155" indent="0">
               <a:buNone/>
               <a:defRPr sz="1000"/>
             </a:lvl4pPr>
-            <a:lvl5pPr marL="1828251" indent="0">
+            <a:lvl5pPr marL="1828205" indent="0">
               <a:buNone/>
               <a:defRPr sz="1000"/>
             </a:lvl5pPr>
-            <a:lvl6pPr marL="2285314" indent="0">
+            <a:lvl6pPr marL="2285258" indent="0">
               <a:buNone/>
               <a:defRPr sz="1000"/>
             </a:lvl6pPr>
-            <a:lvl7pPr marL="2742377" indent="0">
+            <a:lvl7pPr marL="2742309" indent="0">
               <a:buNone/>
               <a:defRPr sz="1000"/>
             </a:lvl7pPr>
-            <a:lvl8pPr marL="3199440" indent="0">
+            <a:lvl8pPr marL="3199360" indent="0">
               <a:buNone/>
               <a:defRPr sz="1000"/>
             </a:lvl8pPr>
-            <a:lvl9pPr marL="3656503" indent="0">
+            <a:lvl9pPr marL="3656411" indent="0">
               <a:buNone/>
               <a:defRPr sz="1000"/>
             </a:lvl9pPr>
@@ -4234,7 +4244,7 @@
           <a:p>
             <a:fld id="{47106164-FC4F-8341-9BF7-6BFA5E1B9C49}" type="datetimeFigureOut">
               <a:rPr lang="de-DE" smtClean="0"/>
-              <a:t>15.05.17</a:t>
+              <a:t>17.05.17</a:t>
             </a:fld>
             <a:endParaRPr lang="de-DE"/>
           </a:p>
@@ -4319,7 +4329,7 @@
         </p:nvSpPr>
         <p:spPr>
           <a:xfrm>
-            <a:off x="677334" y="4800600"/>
+            <a:off x="677335" y="4800600"/>
             <a:ext cx="8596667" cy="566738"/>
           </a:xfrm>
         </p:spPr>
@@ -4353,7 +4363,7 @@
         </p:nvSpPr>
         <p:spPr>
           <a:xfrm>
-            <a:off x="677334" y="609600"/>
+            <a:off x="677335" y="609600"/>
             <a:ext cx="8596668" cy="3845718"/>
           </a:xfrm>
         </p:spPr>
@@ -4366,35 +4376,35 @@
               <a:buNone/>
               <a:defRPr sz="1600"/>
             </a:lvl1pPr>
-            <a:lvl2pPr marL="457200" indent="0">
+            <a:lvl2pPr marL="457189" indent="0">
               <a:buNone/>
               <a:defRPr sz="1600"/>
             </a:lvl2pPr>
-            <a:lvl3pPr marL="914400" indent="0">
+            <a:lvl3pPr marL="914377" indent="0">
               <a:buNone/>
               <a:defRPr sz="1600"/>
             </a:lvl3pPr>
-            <a:lvl4pPr marL="1371600" indent="0">
+            <a:lvl4pPr marL="1371566" indent="0">
               <a:buNone/>
               <a:defRPr sz="1600"/>
             </a:lvl4pPr>
-            <a:lvl5pPr marL="1828800" indent="0">
+            <a:lvl5pPr marL="1828754" indent="0">
               <a:buNone/>
               <a:defRPr sz="1600"/>
             </a:lvl5pPr>
-            <a:lvl6pPr marL="2286000" indent="0">
+            <a:lvl6pPr marL="2285943" indent="0">
               <a:buNone/>
               <a:defRPr sz="1600"/>
             </a:lvl6pPr>
-            <a:lvl7pPr marL="2743200" indent="0">
+            <a:lvl7pPr marL="2743131" indent="0">
               <a:buNone/>
               <a:defRPr sz="1600"/>
             </a:lvl7pPr>
-            <a:lvl8pPr marL="3200400" indent="0">
+            <a:lvl8pPr marL="3200320" indent="0">
               <a:buNone/>
               <a:defRPr sz="1600"/>
             </a:lvl8pPr>
-            <a:lvl9pPr marL="3657600" indent="0">
+            <a:lvl9pPr marL="3657509" indent="0">
               <a:buNone/>
               <a:defRPr sz="1600"/>
             </a:lvl9pPr>
@@ -4420,7 +4430,7 @@
         </p:nvSpPr>
         <p:spPr>
           <a:xfrm>
-            <a:off x="677334" y="5367338"/>
+            <a:off x="677335" y="5367338"/>
             <a:ext cx="8596667" cy="674024"/>
           </a:xfrm>
         </p:spPr>
@@ -4433,35 +4443,35 @@
               <a:buNone/>
               <a:defRPr sz="1200"/>
             </a:lvl1pPr>
-            <a:lvl2pPr marL="457200" indent="0">
+            <a:lvl2pPr marL="457189" indent="0">
               <a:buNone/>
               <a:defRPr sz="1200"/>
             </a:lvl2pPr>
-            <a:lvl3pPr marL="914400" indent="0">
+            <a:lvl3pPr marL="914377" indent="0">
               <a:buNone/>
               <a:defRPr sz="1000"/>
             </a:lvl3pPr>
-            <a:lvl4pPr marL="1371600" indent="0">
+            <a:lvl4pPr marL="1371566" indent="0">
               <a:buNone/>
               <a:defRPr sz="900"/>
             </a:lvl4pPr>
-            <a:lvl5pPr marL="1828800" indent="0">
+            <a:lvl5pPr marL="1828754" indent="0">
               <a:buNone/>
               <a:defRPr sz="900"/>
             </a:lvl5pPr>
-            <a:lvl6pPr marL="2286000" indent="0">
+            <a:lvl6pPr marL="2285943" indent="0">
               <a:buNone/>
               <a:defRPr sz="900"/>
             </a:lvl6pPr>
-            <a:lvl7pPr marL="2743200" indent="0">
+            <a:lvl7pPr marL="2743131" indent="0">
               <a:buNone/>
               <a:defRPr sz="900"/>
             </a:lvl7pPr>
-            <a:lvl8pPr marL="3200400" indent="0">
+            <a:lvl8pPr marL="3200320" indent="0">
               <a:buNone/>
               <a:defRPr sz="900"/>
             </a:lvl8pPr>
-            <a:lvl9pPr marL="3657600" indent="0">
+            <a:lvl9pPr marL="3657509" indent="0">
               <a:buNone/>
               <a:defRPr sz="900"/>
             </a:lvl9pPr>
@@ -4477,12 +4487,12 @@
       </p:sp>
       <p:sp>
         <p:nvSpPr>
-          <p:cNvPr id="5" name="Date Placeholder 4"/>
-          <p:cNvSpPr>
-            <a:spLocks noGrp="1"/>
-          </p:cNvSpPr>
-          <p:nvPr>
-            <p:ph type="dt" sz="half" idx="10"/>
+          <p:cNvPr id="6" name="Footer Placeholder 5"/>
+          <p:cNvSpPr>
+            <a:spLocks noGrp="1"/>
+          </p:cNvSpPr>
+          <p:nvPr>
+            <p:ph type="ftr" sz="quarter" idx="11"/>
           </p:nvPr>
         </p:nvSpPr>
         <p:spPr/>
@@ -4490,9 +4500,28 @@
           <a:bodyPr/>
           <a:lstStyle/>
           <a:p>
-            <a:fld id="{47106164-FC4F-8341-9BF7-6BFA5E1B9C49}" type="datetimeFigureOut">
-              <a:rPr lang="de-DE" smtClean="0"/>
-              <a:t>15.05.17</a:t>
+            <a:endParaRPr lang="en-US" dirty="0"/>
+          </a:p>
+        </p:txBody>
+      </p:sp>
+      <p:sp>
+        <p:nvSpPr>
+          <p:cNvPr id="7" name="Slide Number Placeholder 6"/>
+          <p:cNvSpPr>
+            <a:spLocks noGrp="1"/>
+          </p:cNvSpPr>
+          <p:nvPr>
+            <p:ph type="sldNum" sz="quarter" idx="12"/>
+          </p:nvPr>
+        </p:nvSpPr>
+        <p:spPr/>
+        <p:txBody>
+          <a:bodyPr/>
+          <a:lstStyle/>
+          <a:p>
+            <a:fld id="{CF28E0CE-0C25-3245-A36D-1DDD9B0DA6EF}" type="slidenum">
+              <a:rPr lang="de-DE" smtClean="0"/>
+              <a:t>‹Nr.›</a:t>
             </a:fld>
             <a:endParaRPr lang="de-DE"/>
           </a:p>
@@ -4500,12 +4529,12 @@
       </p:sp>
       <p:sp>
         <p:nvSpPr>
-          <p:cNvPr id="6" name="Footer Placeholder 5"/>
-          <p:cNvSpPr>
-            <a:spLocks noGrp="1"/>
-          </p:cNvSpPr>
-          <p:nvPr>
-            <p:ph type="ftr" sz="quarter" idx="11"/>
+          <p:cNvPr id="5" name="Date Placeholder 4"/>
+          <p:cNvSpPr>
+            <a:spLocks noGrp="1"/>
+          </p:cNvSpPr>
+          <p:nvPr>
+            <p:ph type="dt" sz="half" idx="10"/>
           </p:nvPr>
         </p:nvSpPr>
         <p:spPr/>
@@ -4513,28 +4542,9 @@
           <a:bodyPr/>
           <a:lstStyle/>
           <a:p>
-            <a:endParaRPr lang="en-US" dirty="0"/>
-          </a:p>
-        </p:txBody>
-      </p:sp>
-      <p:sp>
-        <p:nvSpPr>
-          <p:cNvPr id="7" name="Slide Number Placeholder 6"/>
-          <p:cNvSpPr>
-            <a:spLocks noGrp="1"/>
-          </p:cNvSpPr>
-          <p:nvPr>
-            <p:ph type="sldNum" sz="quarter" idx="12"/>
-          </p:nvPr>
-        </p:nvSpPr>
-        <p:spPr/>
-        <p:txBody>
-          <a:bodyPr/>
-          <a:lstStyle/>
-          <a:p>
-            <a:fld id="{CF28E0CE-0C25-3245-A36D-1DDD9B0DA6EF}" type="slidenum">
-              <a:rPr lang="de-DE" smtClean="0"/>
-              <a:t>‹Nr.›</a:t>
+            <a:fld id="{47106164-FC4F-8341-9BF7-6BFA5E1B9C49}" type="datetimeFigureOut">
+              <a:rPr lang="de-DE" smtClean="0"/>
+              <a:t>17.05.17</a:t>
             </a:fld>
             <a:endParaRPr lang="de-DE"/>
           </a:p>
@@ -4572,7 +4582,7 @@
       </p:grpSpPr>
       <p:grpSp>
         <p:nvGrpSpPr>
-          <p:cNvPr id="7" name="Group 6"/>
+          <p:cNvPr id="44" name="Group 43"/>
           <p:cNvGrpSpPr/>
           <p:nvPr/>
         </p:nvGrpSpPr>
@@ -4600,8 +4610,8 @@
             </a:prstGeom>
             <a:ln w="9525">
               <a:solidFill>
-                <a:schemeClr val="bg1">
-                  <a:lumMod val="75000"/>
+                <a:schemeClr val="accent1">
+                  <a:alpha val="70000"/>
                 </a:schemeClr>
               </a:solidFill>
             </a:ln>
@@ -4637,8 +4647,8 @@
             </a:prstGeom>
             <a:ln w="9525">
               <a:solidFill>
-                <a:schemeClr val="bg1">
-                  <a:lumMod val="85000"/>
+                <a:schemeClr val="accent1">
+                  <a:alpha val="70000"/>
                 </a:schemeClr>
               </a:solidFill>
             </a:ln>
@@ -4698,7 +4708,7 @@
             </a:custGeom>
             <a:solidFill>
               <a:schemeClr val="accent1">
-                <a:alpha val="30000"/>
+                <a:alpha val="36000"/>
               </a:schemeClr>
             </a:solidFill>
             <a:ln>
@@ -4801,8 +4811,9 @@
               </a:avLst>
             </a:prstGeom>
             <a:solidFill>
-              <a:schemeClr val="accent2">
-                <a:alpha val="72000"/>
+              <a:schemeClr val="accent1">
+                <a:lumMod val="75000"/>
+                <a:alpha val="66000"/>
               </a:schemeClr>
             </a:solidFill>
             <a:ln>
@@ -4864,9 +4875,9 @@
               </a:pathLst>
             </a:custGeom>
             <a:solidFill>
-              <a:schemeClr val="accent2">
+              <a:schemeClr val="accent1">
                 <a:lumMod val="75000"/>
-                <a:alpha val="70000"/>
+                <a:alpha val="50000"/>
               </a:schemeClr>
             </a:solidFill>
             <a:ln>
@@ -4928,9 +4939,7 @@
               </a:pathLst>
             </a:custGeom>
             <a:solidFill>
-              <a:schemeClr val="accent1">
-                <a:lumMod val="60000"/>
-                <a:lumOff val="40000"/>
+              <a:schemeClr val="accent2">
                 <a:alpha val="70000"/>
               </a:schemeClr>
             </a:solidFill>
@@ -4993,8 +5002,9 @@
               </a:pathLst>
             </a:custGeom>
             <a:solidFill>
-              <a:schemeClr val="accent1">
-                <a:alpha val="65000"/>
+              <a:schemeClr val="accent2">
+                <a:lumMod val="75000"/>
+                <a:alpha val="80000"/>
               </a:schemeClr>
             </a:solidFill>
             <a:ln>
@@ -5035,7 +5045,8 @@
             </a:prstGeom>
             <a:solidFill>
               <a:schemeClr val="accent1">
-                <a:alpha val="80000"/>
+                <a:lumMod val="75000"/>
+                <a:alpha val="66000"/>
               </a:schemeClr>
             </a:solidFill>
             <a:ln>
@@ -5060,7 +5071,7 @@
         </p:sp>
         <p:sp>
           <p:nvSpPr>
-            <p:cNvPr id="29" name="Isosceles Triangle 28"/>
+            <p:cNvPr id="19" name="Isosceles Triangle 18"/>
             <p:cNvSpPr/>
             <p:nvPr/>
           </p:nvSpPr>
@@ -5076,7 +5087,7 @@
             </a:prstGeom>
             <a:solidFill>
               <a:schemeClr val="accent1">
-                <a:alpha val="85000"/>
+                <a:alpha val="70000"/>
               </a:schemeClr>
             </a:solidFill>
             <a:ln>
@@ -5112,7 +5123,7 @@
         </p:nvSpPr>
         <p:spPr>
           <a:xfrm>
-            <a:off x="677334" y="609600"/>
+            <a:off x="677335" y="609600"/>
             <a:ext cx="8596668" cy="1320800"/>
           </a:xfrm>
           <a:prstGeom prst="rect">
@@ -5145,7 +5156,7 @@
         </p:nvSpPr>
         <p:spPr>
           <a:xfrm>
-            <a:off x="677334" y="2160589"/>
+            <a:off x="677335" y="2160590"/>
             <a:ext cx="8596668" cy="3880773"/>
           </a:xfrm>
           <a:prstGeom prst="rect">
@@ -5207,7 +5218,7 @@
         </p:nvSpPr>
         <p:spPr>
           <a:xfrm>
-            <a:off x="7205133" y="6041362"/>
+            <a:off x="7205133" y="6041364"/>
             <a:ext cx="911939" cy="365125"/>
           </a:xfrm>
           <a:prstGeom prst="rect">
@@ -5230,7 +5241,7 @@
           <a:p>
             <a:fld id="{47106164-FC4F-8341-9BF7-6BFA5E1B9C49}" type="datetimeFigureOut">
               <a:rPr lang="de-DE" smtClean="0"/>
-              <a:t>15.05.17</a:t>
+              <a:t>17.05.17</a:t>
             </a:fld>
             <a:endParaRPr lang="de-DE"/>
           </a:p>
@@ -5248,7 +5259,7 @@
         </p:nvSpPr>
         <p:spPr>
           <a:xfrm>
-            <a:off x="677334" y="6041362"/>
+            <a:off x="677335" y="6041364"/>
             <a:ext cx="6297612" cy="365125"/>
           </a:xfrm>
           <a:prstGeom prst="rect">
@@ -5285,7 +5296,7 @@
         </p:nvSpPr>
         <p:spPr>
           <a:xfrm>
-            <a:off x="8590663" y="6041362"/>
+            <a:off x="8590664" y="6041364"/>
             <a:ext cx="683339" cy="365125"/>
           </a:xfrm>
           <a:prstGeom prst="rect">
@@ -5315,32 +5326,32 @@
     </p:spTree>
     <p:extLst>
       <p:ext uri="{BB962C8B-B14F-4D97-AF65-F5344CB8AC3E}">
-        <p14:creationId xmlns:p14="http://schemas.microsoft.com/office/powerpoint/2010/main" val="1129918680"/>
+        <p14:creationId xmlns:p14="http://schemas.microsoft.com/office/powerpoint/2010/main" val="2084420855"/>
       </p:ext>
     </p:extLst>
   </p:cSld>
   <p:clrMap bg1="lt1" tx1="dk1" bg2="lt2" tx2="dk2" accent1="accent1" accent2="accent2" accent3="accent3" accent4="accent4" accent5="accent5" accent6="accent6" hlink="hlink" folHlink="folHlink"/>
   <p:sldLayoutIdLst>
-    <p:sldLayoutId id="2147483751" r:id="rId1"/>
-    <p:sldLayoutId id="2147483752" r:id="rId2"/>
-    <p:sldLayoutId id="2147483753" r:id="rId3"/>
-    <p:sldLayoutId id="2147483754" r:id="rId4"/>
-    <p:sldLayoutId id="2147483755" r:id="rId5"/>
-    <p:sldLayoutId id="2147483756" r:id="rId6"/>
-    <p:sldLayoutId id="2147483757" r:id="rId7"/>
-    <p:sldLayoutId id="2147483758" r:id="rId8"/>
-    <p:sldLayoutId id="2147483759" r:id="rId9"/>
-    <p:sldLayoutId id="2147483760" r:id="rId10"/>
-    <p:sldLayoutId id="2147483761" r:id="rId11"/>
-    <p:sldLayoutId id="2147483762" r:id="rId12"/>
-    <p:sldLayoutId id="2147483763" r:id="rId13"/>
-    <p:sldLayoutId id="2147483764" r:id="rId14"/>
-    <p:sldLayoutId id="2147483765" r:id="rId15"/>
-    <p:sldLayoutId id="2147483766" r:id="rId16"/>
+    <p:sldLayoutId id="2147483785" r:id="rId1"/>
+    <p:sldLayoutId id="2147483786" r:id="rId2"/>
+    <p:sldLayoutId id="2147483787" r:id="rId3"/>
+    <p:sldLayoutId id="2147483788" r:id="rId4"/>
+    <p:sldLayoutId id="2147483789" r:id="rId5"/>
+    <p:sldLayoutId id="2147483790" r:id="rId6"/>
+    <p:sldLayoutId id="2147483791" r:id="rId7"/>
+    <p:sldLayoutId id="2147483792" r:id="rId8"/>
+    <p:sldLayoutId id="2147483793" r:id="rId9"/>
+    <p:sldLayoutId id="2147483794" r:id="rId10"/>
+    <p:sldLayoutId id="2147483795" r:id="rId11"/>
+    <p:sldLayoutId id="2147483796" r:id="rId12"/>
+    <p:sldLayoutId id="2147483797" r:id="rId13"/>
+    <p:sldLayoutId id="2147483798" r:id="rId14"/>
+    <p:sldLayoutId id="2147483799" r:id="rId15"/>
+    <p:sldLayoutId id="2147483800" r:id="rId16"/>
   </p:sldLayoutIdLst>
   <p:txStyles>
     <p:titleStyle>
-      <a:lvl1pPr algn="l" defTabSz="457200" rtl="0" eaLnBrk="1" latinLnBrk="0" hangingPunct="1">
+      <a:lvl1pPr algn="l" defTabSz="457189" rtl="0" eaLnBrk="1" latinLnBrk="0" hangingPunct="1">
         <a:spcBef>
           <a:spcPct val="0"/>
         </a:spcBef>
@@ -5412,7 +5423,7 @@
       </a:lvl9pPr>
     </p:titleStyle>
     <p:bodyStyle>
-      <a:lvl1pPr marL="342900" indent="-342900" algn="l" defTabSz="457200" rtl="0" eaLnBrk="1" latinLnBrk="0" hangingPunct="1">
+      <a:lvl1pPr marL="342891" indent="-342891" algn="l" defTabSz="457189" rtl="0" eaLnBrk="1" latinLnBrk="0" hangingPunct="1">
         <a:spcBef>
           <a:spcPts val="1000"/>
         </a:spcBef>
@@ -5437,7 +5448,7 @@
           <a:cs typeface="+mn-cs"/>
         </a:defRPr>
       </a:lvl1pPr>
-      <a:lvl2pPr marL="742950" indent="-285750" algn="l" defTabSz="457200" rtl="0" eaLnBrk="1" latinLnBrk="0" hangingPunct="1">
+      <a:lvl2pPr marL="742932" indent="-285744" algn="l" defTabSz="457189" rtl="0" eaLnBrk="1" latinLnBrk="0" hangingPunct="1">
         <a:spcBef>
           <a:spcPts val="1000"/>
         </a:spcBef>
@@ -5462,7 +5473,7 @@
           <a:cs typeface="+mn-cs"/>
         </a:defRPr>
       </a:lvl2pPr>
-      <a:lvl3pPr marL="1143000" indent="-228600" algn="l" defTabSz="457200" rtl="0" eaLnBrk="1" latinLnBrk="0" hangingPunct="1">
+      <a:lvl3pPr marL="1142971" indent="-228594" algn="l" defTabSz="457189" rtl="0" eaLnBrk="1" latinLnBrk="0" hangingPunct="1">
         <a:spcBef>
           <a:spcPts val="1000"/>
         </a:spcBef>
@@ -5487,7 +5498,7 @@
           <a:cs typeface="+mn-cs"/>
         </a:defRPr>
       </a:lvl3pPr>
-      <a:lvl4pPr marL="1600200" indent="-228600" algn="l" defTabSz="457200" rtl="0" eaLnBrk="1" latinLnBrk="0" hangingPunct="1">
+      <a:lvl4pPr marL="1600160" indent="-228594" algn="l" defTabSz="457189" rtl="0" eaLnBrk="1" latinLnBrk="0" hangingPunct="1">
         <a:spcBef>
           <a:spcPts val="1000"/>
         </a:spcBef>
@@ -5512,7 +5523,7 @@
           <a:cs typeface="+mn-cs"/>
         </a:defRPr>
       </a:lvl4pPr>
-      <a:lvl5pPr marL="2057400" indent="-228600" algn="l" defTabSz="457200" rtl="0" eaLnBrk="1" latinLnBrk="0" hangingPunct="1">
+      <a:lvl5pPr marL="2057349" indent="-228594" algn="l" defTabSz="457189" rtl="0" eaLnBrk="1" latinLnBrk="0" hangingPunct="1">
         <a:spcBef>
           <a:spcPts val="1000"/>
         </a:spcBef>
@@ -5537,7 +5548,7 @@
           <a:cs typeface="+mn-cs"/>
         </a:defRPr>
       </a:lvl5pPr>
-      <a:lvl6pPr marL="2514600" indent="-228600" algn="l" defTabSz="457200" rtl="0" eaLnBrk="1" latinLnBrk="0" hangingPunct="1">
+      <a:lvl6pPr marL="2514537" indent="-228594" algn="l" defTabSz="457189" rtl="0" eaLnBrk="1" latinLnBrk="0" hangingPunct="1">
         <a:spcBef>
           <a:spcPts val="1000"/>
         </a:spcBef>
@@ -5562,7 +5573,7 @@
           <a:cs typeface="+mn-cs"/>
         </a:defRPr>
       </a:lvl6pPr>
-      <a:lvl7pPr marL="2971800" indent="-228600" algn="l" defTabSz="457200" rtl="0" eaLnBrk="1" latinLnBrk="0" hangingPunct="1">
+      <a:lvl7pPr marL="2971726" indent="-228594" algn="l" defTabSz="457189" rtl="0" eaLnBrk="1" latinLnBrk="0" hangingPunct="1">
         <a:spcBef>
           <a:spcPts val="1000"/>
         </a:spcBef>
@@ -5587,7 +5598,7 @@
           <a:cs typeface="+mn-cs"/>
         </a:defRPr>
       </a:lvl7pPr>
-      <a:lvl8pPr marL="3429000" indent="-228600" algn="l" defTabSz="457200" rtl="0" eaLnBrk="1" latinLnBrk="0" hangingPunct="1">
+      <a:lvl8pPr marL="3428914" indent="-228594" algn="l" defTabSz="457189" rtl="0" eaLnBrk="1" latinLnBrk="0" hangingPunct="1">
         <a:spcBef>
           <a:spcPts val="1000"/>
         </a:spcBef>
@@ -5612,7 +5623,7 @@
           <a:cs typeface="+mn-cs"/>
         </a:defRPr>
       </a:lvl8pPr>
-      <a:lvl9pPr marL="3886200" indent="-228600" algn="l" defTabSz="457200" rtl="0" eaLnBrk="1" latinLnBrk="0" hangingPunct="1">
+      <a:lvl9pPr marL="3886103" indent="-228594" algn="l" defTabSz="457189" rtl="0" eaLnBrk="1" latinLnBrk="0" hangingPunct="1">
         <a:spcBef>
           <a:spcPts val="1000"/>
         </a:spcBef>
@@ -5642,7 +5653,7 @@
       <a:defPPr>
         <a:defRPr lang="en-US"/>
       </a:defPPr>
-      <a:lvl1pPr marL="0" algn="l" defTabSz="457200" rtl="0" eaLnBrk="1" latinLnBrk="0" hangingPunct="1">
+      <a:lvl1pPr marL="0" algn="l" defTabSz="457189" rtl="0" eaLnBrk="1" latinLnBrk="0" hangingPunct="1">
         <a:defRPr sz="1800" kern="1200">
           <a:solidFill>
             <a:schemeClr val="tx1"/>
@@ -5652,7 +5663,7 @@
           <a:cs typeface="+mn-cs"/>
         </a:defRPr>
       </a:lvl1pPr>
-      <a:lvl2pPr marL="457200" algn="l" defTabSz="457200" rtl="0" eaLnBrk="1" latinLnBrk="0" hangingPunct="1">
+      <a:lvl2pPr marL="457189" algn="l" defTabSz="457189" rtl="0" eaLnBrk="1" latinLnBrk="0" hangingPunct="1">
         <a:defRPr sz="1800" kern="1200">
           <a:solidFill>
             <a:schemeClr val="tx1"/>
@@ -5662,7 +5673,7 @@
           <a:cs typeface="+mn-cs"/>
         </a:defRPr>
       </a:lvl2pPr>
-      <a:lvl3pPr marL="914400" algn="l" defTabSz="457200" rtl="0" eaLnBrk="1" latinLnBrk="0" hangingPunct="1">
+      <a:lvl3pPr marL="914377" algn="l" defTabSz="457189" rtl="0" eaLnBrk="1" latinLnBrk="0" hangingPunct="1">
         <a:defRPr sz="1800" kern="1200">
           <a:solidFill>
             <a:schemeClr val="tx1"/>
@@ -5672,7 +5683,7 @@
           <a:cs typeface="+mn-cs"/>
         </a:defRPr>
       </a:lvl3pPr>
-      <a:lvl4pPr marL="1371600" algn="l" defTabSz="457200" rtl="0" eaLnBrk="1" latinLnBrk="0" hangingPunct="1">
+      <a:lvl4pPr marL="1371566" algn="l" defTabSz="457189" rtl="0" eaLnBrk="1" latinLnBrk="0" hangingPunct="1">
         <a:defRPr sz="1800" kern="1200">
           <a:solidFill>
             <a:schemeClr val="tx1"/>
@@ -5682,7 +5693,7 @@
           <a:cs typeface="+mn-cs"/>
         </a:defRPr>
       </a:lvl4pPr>
-      <a:lvl5pPr marL="1828800" algn="l" defTabSz="457200" rtl="0" eaLnBrk="1" latinLnBrk="0" hangingPunct="1">
+      <a:lvl5pPr marL="1828754" algn="l" defTabSz="457189" rtl="0" eaLnBrk="1" latinLnBrk="0" hangingPunct="1">
         <a:defRPr sz="1800" kern="1200">
           <a:solidFill>
             <a:schemeClr val="tx1"/>
@@ -5692,7 +5703,7 @@
           <a:cs typeface="+mn-cs"/>
         </a:defRPr>
       </a:lvl5pPr>
-      <a:lvl6pPr marL="2286000" algn="l" defTabSz="457200" rtl="0" eaLnBrk="1" latinLnBrk="0" hangingPunct="1">
+      <a:lvl6pPr marL="2285943" algn="l" defTabSz="457189" rtl="0" eaLnBrk="1" latinLnBrk="0" hangingPunct="1">
         <a:defRPr sz="1800" kern="1200">
           <a:solidFill>
             <a:schemeClr val="tx1"/>
@@ -5702,7 +5713,7 @@
           <a:cs typeface="+mn-cs"/>
         </a:defRPr>
       </a:lvl6pPr>
-      <a:lvl7pPr marL="2743200" algn="l" defTabSz="457200" rtl="0" eaLnBrk="1" latinLnBrk="0" hangingPunct="1">
+      <a:lvl7pPr marL="2743131" algn="l" defTabSz="457189" rtl="0" eaLnBrk="1" latinLnBrk="0" hangingPunct="1">
         <a:defRPr sz="1800" kern="1200">
           <a:solidFill>
             <a:schemeClr val="tx1"/>
@@ -5712,7 +5723,7 @@
           <a:cs typeface="+mn-cs"/>
         </a:defRPr>
       </a:lvl7pPr>
-      <a:lvl8pPr marL="3200400" algn="l" defTabSz="457200" rtl="0" eaLnBrk="1" latinLnBrk="0" hangingPunct="1">
+      <a:lvl8pPr marL="3200320" algn="l" defTabSz="457189" rtl="0" eaLnBrk="1" latinLnBrk="0" hangingPunct="1">
         <a:defRPr sz="1800" kern="1200">
           <a:solidFill>
             <a:schemeClr val="tx1"/>
@@ -5722,7 +5733,7 @@
           <a:cs typeface="+mn-cs"/>
         </a:defRPr>
       </a:lvl8pPr>
-      <a:lvl9pPr marL="3657600" algn="l" defTabSz="457200" rtl="0" eaLnBrk="1" latinLnBrk="0" hangingPunct="1">
+      <a:lvl9pPr marL="3657509" algn="l" defTabSz="457189" rtl="0" eaLnBrk="1" latinLnBrk="0" hangingPunct="1">
         <a:defRPr sz="1800" kern="1200">
           <a:solidFill>
             <a:schemeClr val="tx1"/>
@@ -5764,14 +5775,19 @@
             <p:ph type="ctrTitle"/>
           </p:nvPr>
         </p:nvSpPr>
-        <p:spPr/>
+        <p:spPr>
+          <a:xfrm>
+            <a:off x="1507067" y="2404534"/>
+            <a:ext cx="8007047" cy="1646303"/>
+          </a:xfrm>
+        </p:spPr>
         <p:txBody>
           <a:bodyPr/>
           <a:lstStyle/>
           <a:p>
             <a:r>
-              <a:rPr lang="de-DE" dirty="0" smtClean="0"/>
-              <a:t>Projektbeschreibung</a:t>
+              <a:rPr lang="de-DE" dirty="0"/>
+              <a:t>Kassenzettelerkennung</a:t>
             </a:r>
             <a:endParaRPr lang="de-DE" dirty="0"/>
           </a:p>
@@ -5910,11 +5926,15 @@
           <a:p>
             <a:r>
               <a:rPr lang="de-DE" dirty="0"/>
-              <a:t>automatische Kassenzettel Erkennung unter </a:t>
+              <a:t>automatische </a:t>
             </a:r>
             <a:r>
               <a:rPr lang="de-DE" dirty="0" smtClean="0"/>
-              <a:t>Android</a:t>
+              <a:t>Kassenzettelerkennung </a:t>
+            </a:r>
+            <a:r>
+              <a:rPr lang="de-DE" dirty="0" smtClean="0"/>
+              <a:t>in einer Android App</a:t>
             </a:r>
           </a:p>
           <a:p>
@@ -5928,7 +5948,7 @@
             </a:r>
             <a:r>
               <a:rPr lang="de-DE" dirty="0" smtClean="0"/>
-              <a:t> für ein </a:t>
+              <a:t>für ein </a:t>
             </a:r>
             <a:r>
               <a:rPr lang="de-DE" dirty="0"/>
@@ -5942,7 +5962,19 @@
           <a:p>
             <a:r>
               <a:rPr lang="de-DE" dirty="0" smtClean="0"/>
-              <a:t>Zettel auslesen mit Hilfe von OCR z.B. tesseract</a:t>
+              <a:t>Zettel auslesen mit Hilfe von </a:t>
+            </a:r>
+            <a:r>
+              <a:rPr lang="de-DE" smtClean="0"/>
+              <a:t>OCR </a:t>
+            </a:r>
+            <a:r>
+              <a:rPr lang="de-DE" smtClean="0"/>
+              <a:t>Programmen z.B</a:t>
+            </a:r>
+            <a:r>
+              <a:rPr lang="de-DE" dirty="0" smtClean="0"/>
+              <a:t>. tesseract</a:t>
             </a:r>
             <a:endParaRPr lang="de-DE" dirty="0"/>
           </a:p>
@@ -5961,7 +5993,128 @@
   <p:timing>
     <p:tnLst>
       <p:par>
-        <p:cTn id="1" dur="indefinite" restart="never" nodeType="tmRoot"/>
+        <p:cTn id="1" dur="indefinite" restart="never" nodeType="tmRoot">
+          <p:childTnLst>
+            <p:seq concurrent="1" nextAc="seek">
+              <p:cTn id="2" dur="indefinite" nodeType="mainSeq">
+                <p:childTnLst>
+                  <p:par>
+                    <p:cTn id="3" fill="hold">
+                      <p:stCondLst>
+                        <p:cond delay="indefinite"/>
+                      </p:stCondLst>
+                      <p:childTnLst>
+                        <p:par>
+                          <p:cTn id="4" fill="hold">
+                            <p:stCondLst>
+                              <p:cond delay="0"/>
+                            </p:stCondLst>
+                            <p:childTnLst>
+                              <p:par>
+                                <p:cTn id="5" presetID="1" presetClass="entr" presetSubtype="0" fill="hold" nodeType="clickEffect">
+                                  <p:stCondLst>
+                                    <p:cond delay="0"/>
+                                  </p:stCondLst>
+                                  <p:childTnLst>
+                                    <p:set>
+                                      <p:cBhvr>
+                                        <p:cTn id="6" dur="1" fill="hold">
+                                          <p:stCondLst>
+                                            <p:cond delay="0"/>
+                                          </p:stCondLst>
+                                        </p:cTn>
+                                        <p:tgtEl>
+                                          <p:spTgt spid="3">
+                                            <p:txEl>
+                                              <p:pRg st="1" end="1"/>
+                                            </p:txEl>
+                                          </p:spTgt>
+                                        </p:tgtEl>
+                                        <p:attrNameLst>
+                                          <p:attrName>style.visibility</p:attrName>
+                                        </p:attrNameLst>
+                                      </p:cBhvr>
+                                      <p:to>
+                                        <p:strVal val="visible"/>
+                                      </p:to>
+                                    </p:set>
+                                  </p:childTnLst>
+                                </p:cTn>
+                              </p:par>
+                            </p:childTnLst>
+                          </p:cTn>
+                        </p:par>
+                      </p:childTnLst>
+                    </p:cTn>
+                  </p:par>
+                  <p:par>
+                    <p:cTn id="7" fill="hold">
+                      <p:stCondLst>
+                        <p:cond delay="indefinite"/>
+                      </p:stCondLst>
+                      <p:childTnLst>
+                        <p:par>
+                          <p:cTn id="8" fill="hold">
+                            <p:stCondLst>
+                              <p:cond delay="0"/>
+                            </p:stCondLst>
+                            <p:childTnLst>
+                              <p:par>
+                                <p:cTn id="9" presetID="1" presetClass="entr" presetSubtype="0" fill="hold" nodeType="clickEffect">
+                                  <p:stCondLst>
+                                    <p:cond delay="0"/>
+                                  </p:stCondLst>
+                                  <p:childTnLst>
+                                    <p:set>
+                                      <p:cBhvr>
+                                        <p:cTn id="10" dur="1" fill="hold">
+                                          <p:stCondLst>
+                                            <p:cond delay="0"/>
+                                          </p:stCondLst>
+                                        </p:cTn>
+                                        <p:tgtEl>
+                                          <p:spTgt spid="3">
+                                            <p:txEl>
+                                              <p:pRg st="2" end="2"/>
+                                            </p:txEl>
+                                          </p:spTgt>
+                                        </p:tgtEl>
+                                        <p:attrNameLst>
+                                          <p:attrName>style.visibility</p:attrName>
+                                        </p:attrNameLst>
+                                      </p:cBhvr>
+                                      <p:to>
+                                        <p:strVal val="visible"/>
+                                      </p:to>
+                                    </p:set>
+                                  </p:childTnLst>
+                                </p:cTn>
+                              </p:par>
+                            </p:childTnLst>
+                          </p:cTn>
+                        </p:par>
+                      </p:childTnLst>
+                    </p:cTn>
+                  </p:par>
+                </p:childTnLst>
+              </p:cTn>
+              <p:prevCondLst>
+                <p:cond evt="onPrev" delay="0">
+                  <p:tgtEl>
+                    <p:sldTgt/>
+                  </p:tgtEl>
+                </p:cond>
+              </p:prevCondLst>
+              <p:nextCondLst>
+                <p:cond evt="onNext" delay="0">
+                  <p:tgtEl>
+                    <p:sldTgt/>
+                  </p:tgtEl>
+                </p:cond>
+              </p:nextCondLst>
+            </p:seq>
+          </p:childTnLst>
+        </p:cTn>
       </p:par>
     </p:tnLst>
   </p:timing>
@@ -6002,7 +6155,7 @@
           <a:p>
             <a:r>
               <a:rPr lang="de-DE" dirty="0" smtClean="0"/>
-              <a:t>Milestone: </a:t>
+              <a:t>Milestone (15.06): </a:t>
             </a:r>
             <a:r>
               <a:rPr lang="de-DE" dirty="0" err="1" smtClean="0"/>
@@ -6037,7 +6190,7 @@
         <p:spPr>
           <a:xfrm>
             <a:off x="1404257" y="1801245"/>
-            <a:ext cx="3176056" cy="4351338"/>
+            <a:ext cx="3176056" cy="4351339"/>
           </a:xfrm>
         </p:spPr>
       </p:pic>
@@ -6062,7 +6215,7 @@
         </p:blipFill>
         <p:spPr>
           <a:xfrm>
-            <a:off x="6224322" y="1930400"/>
+            <a:off x="6224323" y="1930400"/>
             <a:ext cx="2222992" cy="4093029"/>
           </a:xfrm>
           <a:prstGeom prst="rect">
@@ -6078,7 +6231,7 @@
         </p:nvSpPr>
         <p:spPr>
           <a:xfrm>
-            <a:off x="4920321" y="3290377"/>
+            <a:off x="4920322" y="3290378"/>
             <a:ext cx="1004175" cy="1502228"/>
           </a:xfrm>
           <a:prstGeom prst="rightArrow">
@@ -6324,7 +6477,7 @@
           <a:p>
             <a:r>
               <a:rPr lang="de-DE" dirty="0" smtClean="0"/>
-              <a:t>Milestone: OCR</a:t>
+              <a:t>Milestone (15.07): OCR</a:t>
             </a:r>
             <a:endParaRPr lang="de-DE" dirty="0"/>
           </a:p>
@@ -6352,7 +6505,7 @@
           <a:lstStyle/>
           <a:p>
             <a:r>
-              <a:rPr lang="de-DE" dirty="0" smtClean="0">
+              <a:rPr lang="de-DE" dirty="0">
                 <a:solidFill>
                   <a:srgbClr val="444444"/>
                 </a:solidFill>
@@ -6363,7 +6516,7 @@
           </a:p>
           <a:p>
             <a:r>
-              <a:rPr lang="de-DE" dirty="0" smtClean="0">
+              <a:rPr lang="de-DE" dirty="0">
                 <a:solidFill>
                   <a:srgbClr val="444444"/>
                 </a:solidFill>
@@ -6372,7 +6525,7 @@
               <a:t>	2 </a:t>
             </a:r>
             <a:r>
-              <a:rPr lang="de-DE" dirty="0" err="1" smtClean="0">
+              <a:rPr lang="de-DE" dirty="0" err="1">
                 <a:solidFill>
                   <a:srgbClr val="444444"/>
                 </a:solidFill>
@@ -6381,7 +6534,7 @@
               <a:t>Stk</a:t>
             </a:r>
             <a:r>
-              <a:rPr lang="de-DE" dirty="0" smtClean="0">
+              <a:rPr lang="de-DE" dirty="0">
                 <a:solidFill>
                   <a:srgbClr val="444444"/>
                 </a:solidFill>
@@ -6392,7 +6545,7 @@
           </a:p>
           <a:p>
             <a:r>
-              <a:rPr lang="de-DE" dirty="0" err="1" smtClean="0">
+              <a:rPr lang="de-DE" dirty="0" err="1">
                 <a:solidFill>
                   <a:srgbClr val="444444"/>
                 </a:solidFill>
@@ -6401,7 +6554,7 @@
               <a:t>Baname</a:t>
             </a:r>
             <a:r>
-              <a:rPr lang="de-DE" dirty="0" smtClean="0">
+              <a:rPr lang="de-DE" dirty="0">
                 <a:solidFill>
                   <a:srgbClr val="444444"/>
                 </a:solidFill>
@@ -6410,7 +6563,7 @@
               <a:t> </a:t>
             </a:r>
             <a:r>
-              <a:rPr lang="de-DE" dirty="0" err="1" smtClean="0">
+              <a:rPr lang="de-DE" dirty="0" err="1">
                 <a:solidFill>
                   <a:srgbClr val="444444"/>
                 </a:solidFill>
@@ -6418,7 +6571,7 @@
               </a:rPr>
               <a:t>Chlqulta</a:t>
             </a:r>
-            <a:endParaRPr lang="de-DE" dirty="0" smtClean="0">
+            <a:endParaRPr lang="de-DE" dirty="0">
               <a:solidFill>
                 <a:srgbClr val="444444"/>
               </a:solidFill>
@@ -6427,7 +6580,7 @@
           </a:p>
           <a:p>
             <a:r>
-              <a:rPr lang="de-DE" dirty="0" smtClean="0">
+              <a:rPr lang="de-DE" dirty="0">
                 <a:solidFill>
                   <a:srgbClr val="444444"/>
                 </a:solidFill>
@@ -6438,7 +6591,7 @@
           </a:p>
           <a:p>
             <a:r>
-              <a:rPr lang="de-DE" dirty="0" smtClean="0">
+              <a:rPr lang="de-DE" dirty="0">
                 <a:solidFill>
                   <a:srgbClr val="444444"/>
                 </a:solidFill>
@@ -6691,7 +6844,7 @@
         </p:nvSpPr>
         <p:spPr>
           <a:xfrm>
-            <a:off x="2501348" y="4257581"/>
+            <a:off x="2501348" y="4257582"/>
             <a:ext cx="6096000" cy="2031325"/>
           </a:xfrm>
           <a:prstGeom prst="rect">
@@ -6705,7 +6858,7 @@
           <a:lstStyle/>
           <a:p>
             <a:r>
-              <a:rPr lang="de-DE" dirty="0" smtClean="0">
+              <a:rPr lang="de-DE" dirty="0">
                 <a:solidFill>
                   <a:srgbClr val="444444"/>
                 </a:solidFill>
@@ -6716,7 +6869,7 @@
           </a:p>
           <a:p>
             <a:r>
-              <a:rPr lang="de-DE" dirty="0" smtClean="0">
+              <a:rPr lang="de-DE" dirty="0">
                 <a:solidFill>
                   <a:srgbClr val="444444"/>
                 </a:solidFill>
@@ -6725,7 +6878,7 @@
               <a:t>	2 </a:t>
             </a:r>
             <a:r>
-              <a:rPr lang="de-DE" dirty="0" err="1" smtClean="0">
+              <a:rPr lang="de-DE" dirty="0" err="1">
                 <a:solidFill>
                   <a:srgbClr val="444444"/>
                 </a:solidFill>
@@ -6734,18 +6887,18 @@
               <a:t>Stk</a:t>
             </a:r>
             <a:r>
-              <a:rPr lang="de-DE" dirty="0" smtClean="0">
+              <a:rPr lang="de-DE" dirty="0">
                 <a:solidFill>
                   <a:srgbClr val="444444"/>
                 </a:solidFill>
                 <a:latin typeface="Courier New" charset="0"/>
               </a:rPr>
-              <a:t> x 1,99</a:t>
-            </a:r>
-          </a:p>
-          <a:p>
-            <a:r>
-              <a:rPr lang="de-DE" dirty="0" smtClean="0">
+              <a:t> x 1,79</a:t>
+            </a:r>
+          </a:p>
+          <a:p>
+            <a:r>
+              <a:rPr lang="de-DE" dirty="0">
                 <a:solidFill>
                   <a:srgbClr val="444444"/>
                 </a:solidFill>
@@ -6756,7 +6909,7 @@
           </a:p>
           <a:p>
             <a:r>
-              <a:rPr lang="de-DE" dirty="0" smtClean="0">
+              <a:rPr lang="de-DE" dirty="0">
                 <a:solidFill>
                   <a:srgbClr val="444444"/>
                 </a:solidFill>
@@ -6767,7 +6920,7 @@
           </a:p>
           <a:p>
             <a:r>
-              <a:rPr lang="de-DE" dirty="0" smtClean="0">
+              <a:rPr lang="de-DE" dirty="0">
                 <a:solidFill>
                   <a:srgbClr val="444444"/>
                 </a:solidFill>
@@ -6777,7 +6930,7 @@
             </a:r>
           </a:p>
           <a:p>
-            <a:endParaRPr lang="de-DE" dirty="0" smtClean="0"/>
+            <a:endParaRPr lang="de-DE" dirty="0"/>
           </a:p>
           <a:p>
             <a:endParaRPr lang="de-DE" dirty="0"/>
@@ -6792,7 +6945,7 @@
         </p:nvSpPr>
         <p:spPr>
           <a:xfrm>
-            <a:off x="2501348" y="1964169"/>
+            <a:off x="2501348" y="1964170"/>
             <a:ext cx="6096000" cy="1754326"/>
           </a:xfrm>
           <a:prstGeom prst="rect">
@@ -6806,7 +6959,7 @@
           <a:lstStyle/>
           <a:p>
             <a:r>
-              <a:rPr lang="de-DE" dirty="0" smtClean="0">
+              <a:rPr lang="de-DE" dirty="0">
                 <a:solidFill>
                   <a:srgbClr val="444444"/>
                 </a:solidFill>
@@ -6817,7 +6970,7 @@
           </a:p>
           <a:p>
             <a:r>
-              <a:rPr lang="de-DE" dirty="0" smtClean="0">
+              <a:rPr lang="de-DE" dirty="0">
                 <a:solidFill>
                   <a:srgbClr val="444444"/>
                 </a:solidFill>
@@ -6826,7 +6979,7 @@
               <a:t>	2 </a:t>
             </a:r>
             <a:r>
-              <a:rPr lang="de-DE" dirty="0" err="1" smtClean="0">
+              <a:rPr lang="de-DE" dirty="0" err="1">
                 <a:solidFill>
                   <a:srgbClr val="444444"/>
                 </a:solidFill>
@@ -6835,7 +6988,7 @@
               <a:t>Stk</a:t>
             </a:r>
             <a:r>
-              <a:rPr lang="de-DE" dirty="0" smtClean="0">
+              <a:rPr lang="de-DE" dirty="0">
                 <a:solidFill>
                   <a:srgbClr val="444444"/>
                 </a:solidFill>
@@ -6846,7 +6999,7 @@
           </a:p>
           <a:p>
             <a:r>
-              <a:rPr lang="de-DE" dirty="0" err="1" smtClean="0">
+              <a:rPr lang="de-DE" dirty="0" err="1">
                 <a:solidFill>
                   <a:srgbClr val="444444"/>
                 </a:solidFill>
@@ -6855,7 +7008,7 @@
               <a:t>Baname</a:t>
             </a:r>
             <a:r>
-              <a:rPr lang="de-DE" dirty="0" smtClean="0">
+              <a:rPr lang="de-DE" dirty="0">
                 <a:solidFill>
                   <a:srgbClr val="444444"/>
                 </a:solidFill>
@@ -6864,7 +7017,7 @@
               <a:t> </a:t>
             </a:r>
             <a:r>
-              <a:rPr lang="de-DE" dirty="0" err="1" smtClean="0">
+              <a:rPr lang="de-DE" dirty="0" err="1">
                 <a:solidFill>
                   <a:srgbClr val="444444"/>
                 </a:solidFill>
@@ -6872,7 +7025,7 @@
               </a:rPr>
               <a:t>Chlqulta</a:t>
             </a:r>
-            <a:endParaRPr lang="de-DE" dirty="0" smtClean="0">
+            <a:endParaRPr lang="de-DE" dirty="0">
               <a:solidFill>
                 <a:srgbClr val="444444"/>
               </a:solidFill>
@@ -6881,7 +7034,7 @@
           </a:p>
           <a:p>
             <a:r>
-              <a:rPr lang="de-DE" dirty="0" smtClean="0">
+              <a:rPr lang="de-DE" dirty="0">
                 <a:solidFill>
                   <a:srgbClr val="444444"/>
                 </a:solidFill>
@@ -6890,7 +7043,7 @@
               <a:t>	0,864 </a:t>
             </a:r>
             <a:r>
-              <a:rPr lang="de-DE" smtClean="0">
+              <a:rPr lang="de-DE">
                 <a:solidFill>
                   <a:srgbClr val="444444"/>
                 </a:solidFill>
@@ -6899,7 +7052,7 @@
               <a:t>kg 1,69 </a:t>
             </a:r>
             <a:r>
-              <a:rPr lang="de-DE" dirty="0" smtClean="0">
+              <a:rPr lang="de-DE" dirty="0">
                 <a:solidFill>
                   <a:srgbClr val="444444"/>
                 </a:solidFill>
@@ -6908,7 +7061,7 @@
               <a:t>EUR/KG	</a:t>
             </a:r>
             <a:r>
-              <a:rPr lang="de-DE" smtClean="0">
+              <a:rPr lang="de-DE">
                 <a:solidFill>
                   <a:srgbClr val="444444"/>
                 </a:solidFill>
@@ -6916,7 +7069,7 @@
               </a:rPr>
               <a:t>	0,68</a:t>
             </a:r>
-            <a:endParaRPr lang="de-DE" dirty="0" smtClean="0">
+            <a:endParaRPr lang="de-DE" dirty="0">
               <a:solidFill>
                 <a:srgbClr val="444444"/>
               </a:solidFill>
@@ -6925,7 +7078,7 @@
           </a:p>
           <a:p>
             <a:r>
-              <a:rPr lang="de-DE" dirty="0" smtClean="0">
+              <a:rPr lang="de-DE" dirty="0">
                 <a:solidFill>
                   <a:srgbClr val="444444"/>
                 </a:solidFill>
@@ -6947,8 +7100,8 @@
         </p:nvSpPr>
         <p:spPr>
           <a:xfrm>
-            <a:off x="4049486" y="3483429"/>
-            <a:ext cx="1698171" cy="500742"/>
+            <a:off x="4049487" y="3483430"/>
+            <a:ext cx="1698171" cy="500743"/>
           </a:xfrm>
           <a:prstGeom prst="downArrow">
             <a:avLst/>
@@ -7224,6 +7377,64 @@
 </p:sld>
 </file>
 
+<file path=ppt/slides/slide7.xml><?xml version="1.0" encoding="utf-8"?>
+<p:sld xmlns:a="http://schemas.openxmlformats.org/drawingml/2006/main" xmlns:r="http://schemas.openxmlformats.org/officeDocument/2006/relationships" xmlns:p="http://schemas.openxmlformats.org/presentationml/2006/main">
+  <p:cSld>
+    <p:spTree>
+      <p:nvGrpSpPr>
+        <p:cNvPr id="1" name=""/>
+        <p:cNvGrpSpPr/>
+        <p:nvPr/>
+      </p:nvGrpSpPr>
+      <p:grpSpPr>
+        <a:xfrm>
+          <a:off x="0" y="0"/>
+          <a:ext cx="0" cy="0"/>
+          <a:chOff x="0" y="0"/>
+          <a:chExt cx="0" cy="0"/>
+        </a:xfrm>
+      </p:grpSpPr>
+      <p:sp>
+        <p:nvSpPr>
+          <p:cNvPr id="2" name="Titel 1"/>
+          <p:cNvSpPr>
+            <a:spLocks noGrp="1"/>
+          </p:cNvSpPr>
+          <p:nvPr>
+            <p:ph type="title"/>
+          </p:nvPr>
+        </p:nvSpPr>
+        <p:spPr>
+          <a:xfrm>
+            <a:off x="4971057" y="3439885"/>
+            <a:ext cx="1529496" cy="1320800"/>
+          </a:xfrm>
+        </p:spPr>
+        <p:txBody>
+          <a:bodyPr/>
+          <a:lstStyle/>
+          <a:p>
+            <a:r>
+              <a:rPr lang="de-DE" dirty="0" smtClean="0"/>
+              <a:t>Danke</a:t>
+            </a:r>
+            <a:endParaRPr lang="de-DE" dirty="0"/>
+          </a:p>
+        </p:txBody>
+      </p:sp>
+    </p:spTree>
+    <p:extLst>
+      <p:ext uri="{BB962C8B-B14F-4D97-AF65-F5344CB8AC3E}">
+        <p14:creationId xmlns:p14="http://schemas.microsoft.com/office/powerpoint/2010/main" val="409585052"/>
+      </p:ext>
+    </p:extLst>
+  </p:cSld>
+  <p:clrMapOvr>
+    <a:masterClrMapping/>
+  </p:clrMapOvr>
+</p:sld>
+</file>
+
 <file path=ppt/theme/theme1.xml><?xml version="1.0" encoding="utf-8"?>
 <a:theme xmlns:a="http://schemas.openxmlformats.org/drawingml/2006/main" name="Facette">
   <a:themeElements>
@@ -7241,28 +7452,28 @@
         <a:srgbClr val="EBEBEB"/>
       </a:lt2>
       <a:accent1>
-        <a:srgbClr val="90C226"/>
+        <a:srgbClr val="5FCBEF"/>
       </a:accent1>
       <a:accent2>
-        <a:srgbClr val="54A021"/>
+        <a:srgbClr val="2E83C3"/>
       </a:accent2>
       <a:accent3>
-        <a:srgbClr val="E6B91E"/>
+        <a:srgbClr val="42D0A2"/>
       </a:accent3>
       <a:accent4>
-        <a:srgbClr val="E76618"/>
+        <a:srgbClr val="2E946B"/>
       </a:accent4>
       <a:accent5>
-        <a:srgbClr val="C42F1A"/>
+        <a:srgbClr val="42B051"/>
       </a:accent5>
       <a:accent6>
-        <a:srgbClr val="918655"/>
+        <a:srgbClr val="96D141"/>
       </a:accent6>
       <a:hlink>
-        <a:srgbClr val="99CA3C"/>
+        <a:srgbClr val="3FCDE7"/>
       </a:hlink>
       <a:folHlink>
-        <a:srgbClr val="B9D181"/>
+        <a:srgbClr val="A9D3E1"/>
       </a:folHlink>
     </a:clrScheme>
     <a:fontScheme name="Facette">
@@ -7475,7 +7686,7 @@
   <a:extraClrSchemeLst/>
   <a:extLst>
     <a:ext uri="{05A4C25C-085E-4340-85A3-A5531E510DB2}">
-      <thm15:themeFamily xmlns:thm15="http://schemas.microsoft.com/office/thememl/2012/main" name="Facet" id="{C0C680CD-088A-49FC-A102-D699147F32B2}" vid="{CFBC31BA-B70F-4F30-BCAA-4F3011E16C4D}"/>
+      <thm15:themeFamily xmlns:thm15="http://schemas.microsoft.com/office/thememl/2012/main" name="Facet" id="{C0C680CD-088A-49FC-A102-D699147F32B2}" vid="{0B5AB586-D108-4FC1-8368-649FE654B894}"/>
     </a:ext>
   </a:extLst>
 </a:theme>
